--- a/docs/pipeline_overview.pptx
+++ b/docs/pipeline_overview.pptx
@@ -9,25 +9,25 @@
     <p:sldId id="257" r:id="rId3"/>
     <p:sldId id="265" r:id="rId4"/>
     <p:sldId id="258" r:id="rId5"/>
-    <p:sldId id="262" r:id="rId6"/>
-    <p:sldId id="263" r:id="rId7"/>
-    <p:sldId id="264" r:id="rId8"/>
-    <p:sldId id="260" r:id="rId9"/>
-    <p:sldId id="266" r:id="rId10"/>
-    <p:sldId id="267" r:id="rId11"/>
-    <p:sldId id="261" r:id="rId12"/>
-    <p:sldId id="268" r:id="rId13"/>
-    <p:sldId id="269" r:id="rId14"/>
-    <p:sldId id="270" r:id="rId15"/>
-    <p:sldId id="271" r:id="rId16"/>
-    <p:sldId id="272" r:id="rId17"/>
-    <p:sldId id="273" r:id="rId18"/>
-    <p:sldId id="274" r:id="rId19"/>
-    <p:sldId id="275" r:id="rId20"/>
-    <p:sldId id="276" r:id="rId21"/>
-    <p:sldId id="277" r:id="rId22"/>
-    <p:sldId id="278" r:id="rId23"/>
-    <p:sldId id="259" r:id="rId24"/>
+    <p:sldId id="279" r:id="rId6"/>
+    <p:sldId id="262" r:id="rId7"/>
+    <p:sldId id="263" r:id="rId8"/>
+    <p:sldId id="264" r:id="rId9"/>
+    <p:sldId id="260" r:id="rId10"/>
+    <p:sldId id="266" r:id="rId11"/>
+    <p:sldId id="267" r:id="rId12"/>
+    <p:sldId id="261" r:id="rId13"/>
+    <p:sldId id="268" r:id="rId14"/>
+    <p:sldId id="269" r:id="rId15"/>
+    <p:sldId id="270" r:id="rId16"/>
+    <p:sldId id="271" r:id="rId17"/>
+    <p:sldId id="272" r:id="rId18"/>
+    <p:sldId id="273" r:id="rId19"/>
+    <p:sldId id="274" r:id="rId20"/>
+    <p:sldId id="275" r:id="rId21"/>
+    <p:sldId id="276" r:id="rId22"/>
+    <p:sldId id="277" r:id="rId23"/>
+    <p:sldId id="278" r:id="rId24"/>
   </p:sldIdLst>
   <p:sldSz cx="12192000" cy="6858000"/>
   <p:notesSz cx="6858000" cy="9144000"/>
@@ -3630,7 +3630,7 @@
         <p:spPr>
           <a:xfrm>
             <a:off x="590554" y="1979623"/>
-            <a:ext cx="11382374" cy="861774"/>
+            <a:ext cx="5553071" cy="3354765"/>
           </a:xfrm>
           <a:prstGeom prst="rect">
             <a:avLst/>
@@ -3644,17 +3644,76 @@
           <a:p>
             <a:r>
               <a:rPr lang="en-US" sz="3200" dirty="0" smtClean="0"/>
-              <a:t>Results</a:t>
-            </a:r>
-          </a:p>
-          <a:p>
+              <a:t>Method Overview</a:t>
+            </a:r>
+          </a:p>
+          <a:p>
+            <a:endParaRPr lang="en-US" dirty="0" smtClean="0"/>
+          </a:p>
+          <a:p>
+            <a:pPr marL="342900" indent="-342900">
+              <a:buAutoNum type="arabicPeriod"/>
+            </a:pPr>
+            <a:r>
+              <a:rPr lang="en-US" dirty="0" smtClean="0"/>
+              <a:t>Segment each core and assign a core id</a:t>
+            </a:r>
+          </a:p>
+          <a:p>
+            <a:pPr marL="342900" indent="-342900">
+              <a:buAutoNum type="arabicPeriod"/>
+            </a:pPr>
+            <a:r>
+              <a:rPr lang="en-US" dirty="0" smtClean="0"/>
+              <a:t>Match core id’s across rounds using density based clustering and </a:t>
+            </a:r>
+            <a:r>
+              <a:rPr lang="en-US" dirty="0" err="1" smtClean="0"/>
+              <a:t>x,y</a:t>
+            </a:r>
+            <a:r>
+              <a:rPr lang="en-US" dirty="0" smtClean="0"/>
+              <a:t> pixel location as features</a:t>
+            </a:r>
+          </a:p>
+          <a:p>
+            <a:pPr marL="342900" indent="-342900">
+              <a:buAutoNum type="arabicPeriod"/>
+            </a:pPr>
+            <a:r>
+              <a:rPr lang="en-US" dirty="0" smtClean="0"/>
+              <a:t>TODO: QC; remove any cores that have fewer than XX cores assigned.</a:t>
+            </a:r>
+          </a:p>
+          <a:p>
+            <a:pPr marL="342900" indent="-342900">
+              <a:buAutoNum type="arabicPeriod"/>
+            </a:pPr>
+            <a:r>
+              <a:rPr lang="en-US" dirty="0" smtClean="0"/>
+              <a:t>Get shape statistics and location of each core</a:t>
+            </a:r>
+          </a:p>
+          <a:p>
+            <a:pPr marL="342900" indent="-342900">
+              <a:buAutoNum type="arabicPeriod"/>
+            </a:pPr>
+            <a:r>
+              <a:rPr lang="en-US" dirty="0" smtClean="0"/>
+              <a:t>Isolate each core (in each round) and save to separate file </a:t>
+            </a:r>
+          </a:p>
+          <a:p>
+            <a:pPr marL="342900" indent="-342900">
+              <a:buAutoNum type="arabicPeriod"/>
+            </a:pPr>
             <a:endParaRPr lang="en-US" dirty="0"/>
           </a:p>
         </p:txBody>
       </p:sp>
       <p:pic>
         <p:nvPicPr>
-          <p:cNvPr id="3" name="Picture 2"/>
+          <p:cNvPr id="4" name="Picture 3"/>
           <p:cNvPicPr>
             <a:picLocks noChangeAspect="1"/>
           </p:cNvPicPr>
@@ -3668,8 +3727,56 @@
         </p:blipFill>
         <p:spPr>
           <a:xfrm>
-            <a:off x="2295528" y="2085975"/>
-            <a:ext cx="8362950" cy="4772025"/>
+            <a:off x="7511574" y="1438275"/>
+            <a:ext cx="4114800" cy="2905125"/>
+          </a:xfrm>
+          <a:prstGeom prst="rect">
+            <a:avLst/>
+          </a:prstGeom>
+        </p:spPr>
+      </p:pic>
+      <p:pic>
+        <p:nvPicPr>
+          <p:cNvPr id="5" name="Picture 4"/>
+          <p:cNvPicPr>
+            <a:picLocks noChangeAspect="1"/>
+          </p:cNvPicPr>
+          <p:nvPr/>
+        </p:nvPicPr>
+        <p:blipFill>
+          <a:blip r:embed="rId3"/>
+          <a:stretch>
+            <a:fillRect/>
+          </a:stretch>
+        </p:blipFill>
+        <p:spPr>
+          <a:xfrm>
+            <a:off x="7820027" y="4343400"/>
+            <a:ext cx="3806347" cy="2514600"/>
+          </a:xfrm>
+          <a:prstGeom prst="rect">
+            <a:avLst/>
+          </a:prstGeom>
+        </p:spPr>
+      </p:pic>
+      <p:pic>
+        <p:nvPicPr>
+          <p:cNvPr id="6" name="Picture 5"/>
+          <p:cNvPicPr>
+            <a:picLocks noChangeAspect="1"/>
+          </p:cNvPicPr>
+          <p:nvPr/>
+        </p:nvPicPr>
+        <p:blipFill>
+          <a:blip r:embed="rId4"/>
+          <a:stretch>
+            <a:fillRect/>
+          </a:stretch>
+        </p:blipFill>
+        <p:spPr>
+          <a:xfrm>
+            <a:off x="1805873" y="4469998"/>
+            <a:ext cx="2518478" cy="2246343"/>
           </a:xfrm>
           <a:prstGeom prst="rect">
             <a:avLst/>
@@ -3679,7 +3786,7 @@
     </p:spTree>
     <p:extLst>
       <p:ext uri="{BB962C8B-B14F-4D97-AF65-F5344CB8AC3E}">
-        <p14:creationId xmlns:p14="http://schemas.microsoft.com/office/powerpoint/2010/main" val="3645235722"/>
+        <p14:creationId xmlns:p14="http://schemas.microsoft.com/office/powerpoint/2010/main" val="4105086094"/>
       </p:ext>
     </p:extLst>
   </p:cSld>
@@ -3708,18 +3815,21 @@
       </p:grpSpPr>
       <p:sp>
         <p:nvSpPr>
-          <p:cNvPr id="4" name="Rectangle 3"/>
+          <p:cNvPr id="16" name="Rectangle 15"/>
           <p:cNvSpPr/>
           <p:nvPr/>
         </p:nvSpPr>
         <p:spPr>
           <a:xfrm>
-            <a:off x="171450" y="500063"/>
+            <a:off x="1919288" y="520691"/>
             <a:ext cx="1314450" cy="1200150"/>
           </a:xfrm>
           <a:prstGeom prst="rect">
             <a:avLst/>
           </a:prstGeom>
+          <a:solidFill>
+            <a:schemeClr val="accent1"/>
+          </a:solidFill>
         </p:spPr>
         <p:style>
           <a:lnRef idx="2">
@@ -3760,16 +3870,15 @@
       </p:sp>
       <p:cxnSp>
         <p:nvCxnSpPr>
-          <p:cNvPr id="6" name="Straight Arrow Connector 5"/>
+          <p:cNvPr id="17" name="Straight Arrow Connector 16"/>
           <p:cNvCxnSpPr>
-            <a:stCxn id="4" idx="3"/>
-            <a:endCxn id="7" idx="1"/>
+            <a:stCxn id="16" idx="3"/>
           </p:cNvCxnSpPr>
           <p:nvPr/>
         </p:nvCxnSpPr>
         <p:spPr>
           <a:xfrm>
-            <a:off x="1485900" y="1100138"/>
+            <a:off x="3233738" y="1120766"/>
             <a:ext cx="433388" cy="0"/>
           </a:xfrm>
           <a:prstGeom prst="straightConnector1">
@@ -3796,18 +3905,21 @@
       </p:cxnSp>
       <p:sp>
         <p:nvSpPr>
-          <p:cNvPr id="7" name="Rectangle 6"/>
+          <p:cNvPr id="18" name="Rectangle 17"/>
           <p:cNvSpPr/>
           <p:nvPr/>
         </p:nvSpPr>
         <p:spPr>
           <a:xfrm>
-            <a:off x="1919288" y="500063"/>
+            <a:off x="171450" y="500063"/>
             <a:ext cx="1314450" cy="1200150"/>
           </a:xfrm>
           <a:prstGeom prst="rect">
             <a:avLst/>
           </a:prstGeom>
+          <a:solidFill>
+            <a:schemeClr val="accent1"/>
+          </a:solidFill>
         </p:spPr>
         <p:style>
           <a:lnRef idx="2">
@@ -3848,7 +3960,7 @@
       </p:sp>
       <p:sp>
         <p:nvSpPr>
-          <p:cNvPr id="9" name="Rectangle 8"/>
+          <p:cNvPr id="19" name="Rectangle 18"/>
           <p:cNvSpPr/>
           <p:nvPr/>
         </p:nvSpPr>
@@ -3860,6 +3972,9 @@
           <a:prstGeom prst="rect">
             <a:avLst/>
           </a:prstGeom>
+          <a:solidFill>
+            <a:srgbClr val="FFC000"/>
+          </a:solidFill>
         </p:spPr>
         <p:style>
           <a:lnRef idx="2">
@@ -3892,16 +4007,15 @@
       </p:sp>
       <p:cxnSp>
         <p:nvCxnSpPr>
-          <p:cNvPr id="11" name="Straight Arrow Connector 10"/>
+          <p:cNvPr id="20" name="Straight Arrow Connector 19"/>
           <p:cNvCxnSpPr>
-            <a:stCxn id="7" idx="3"/>
-            <a:endCxn id="9" idx="1"/>
+            <a:stCxn id="18" idx="3"/>
           </p:cNvCxnSpPr>
           <p:nvPr/>
         </p:nvCxnSpPr>
         <p:spPr>
           <a:xfrm>
-            <a:off x="3233738" y="1100138"/>
+            <a:off x="1485900" y="1100138"/>
             <a:ext cx="433388" cy="0"/>
           </a:xfrm>
           <a:prstGeom prst="straightConnector1">
@@ -3928,7 +4042,7 @@
       </p:cxnSp>
       <p:sp>
         <p:nvSpPr>
-          <p:cNvPr id="12" name="Rectangle 11"/>
+          <p:cNvPr id="21" name="Rectangle 20"/>
           <p:cNvSpPr/>
           <p:nvPr/>
         </p:nvSpPr>
@@ -3941,7 +4055,7 @@
             <a:avLst/>
           </a:prstGeom>
           <a:solidFill>
-            <a:srgbClr val="FFC000"/>
+            <a:schemeClr val="accent1"/>
           </a:solidFill>
         </p:spPr>
         <p:style>
@@ -3975,10 +4089,10 @@
       </p:sp>
       <p:cxnSp>
         <p:nvCxnSpPr>
-          <p:cNvPr id="14" name="Straight Arrow Connector 13"/>
+          <p:cNvPr id="22" name="Straight Arrow Connector 21"/>
           <p:cNvCxnSpPr>
-            <a:stCxn id="9" idx="3"/>
-            <a:endCxn id="12" idx="1"/>
+            <a:stCxn id="19" idx="3"/>
+            <a:endCxn id="21" idx="1"/>
           </p:cNvCxnSpPr>
           <p:nvPr/>
         </p:nvCxnSpPr>
@@ -4011,7 +4125,7 @@
       </p:cxnSp>
       <p:sp>
         <p:nvSpPr>
-          <p:cNvPr id="15" name="Rectangle 14"/>
+          <p:cNvPr id="23" name="Rectangle 22"/>
           <p:cNvSpPr/>
           <p:nvPr/>
         </p:nvSpPr>
@@ -4023,6 +4137,9 @@
           <a:prstGeom prst="rect">
             <a:avLst/>
           </a:prstGeom>
+          <a:solidFill>
+            <a:schemeClr val="accent1"/>
+          </a:solidFill>
         </p:spPr>
         <p:style>
           <a:lnRef idx="2">
@@ -4047,7 +4164,7 @@
             <a:pPr algn="ctr"/>
             <a:r>
               <a:rPr lang="en-US" dirty="0" smtClean="0"/>
-              <a:t>Evaluate registration</a:t>
+              <a:t>Aggregate registration results</a:t>
             </a:r>
             <a:endParaRPr lang="en-US" dirty="0"/>
           </a:p>
@@ -4055,10 +4172,10 @@
       </p:sp>
       <p:cxnSp>
         <p:nvCxnSpPr>
-          <p:cNvPr id="25" name="Straight Arrow Connector 24"/>
+          <p:cNvPr id="24" name="Straight Arrow Connector 23"/>
           <p:cNvCxnSpPr>
-            <a:stCxn id="12" idx="3"/>
-            <a:endCxn id="15" idx="1"/>
+            <a:stCxn id="21" idx="3"/>
+            <a:endCxn id="23" idx="1"/>
           </p:cNvCxnSpPr>
           <p:nvPr/>
         </p:nvCxnSpPr>
@@ -4091,7 +4208,7 @@
       </p:cxnSp>
       <p:sp>
         <p:nvSpPr>
-          <p:cNvPr id="26" name="Rectangle 25"/>
+          <p:cNvPr id="28" name="Rectangle 27"/>
           <p:cNvSpPr/>
           <p:nvPr/>
         </p:nvSpPr>
@@ -4103,6 +4220,9 @@
           <a:prstGeom prst="rect">
             <a:avLst/>
           </a:prstGeom>
+          <a:solidFill>
+            <a:schemeClr val="accent1"/>
+          </a:solidFill>
         </p:spPr>
         <p:style>
           <a:lnRef idx="2">
@@ -4135,7 +4255,7 @@
       </p:sp>
       <p:sp>
         <p:nvSpPr>
-          <p:cNvPr id="27" name="Rectangle 26"/>
+          <p:cNvPr id="30" name="Rectangle 29"/>
           <p:cNvSpPr/>
           <p:nvPr/>
         </p:nvSpPr>
@@ -4147,6 +4267,9 @@
           <a:prstGeom prst="rect">
             <a:avLst/>
           </a:prstGeom>
+          <a:solidFill>
+            <a:schemeClr val="accent1"/>
+          </a:solidFill>
         </p:spPr>
         <p:style>
           <a:lnRef idx="2">
@@ -4179,10 +4302,10 @@
       </p:sp>
       <p:cxnSp>
         <p:nvCxnSpPr>
-          <p:cNvPr id="29" name="Straight Arrow Connector 28"/>
+          <p:cNvPr id="32" name="Straight Arrow Connector 31"/>
           <p:cNvCxnSpPr>
-            <a:stCxn id="15" idx="3"/>
-            <a:endCxn id="26" idx="1"/>
+            <a:stCxn id="23" idx="3"/>
+            <a:endCxn id="28" idx="1"/>
           </p:cNvCxnSpPr>
           <p:nvPr/>
         </p:nvCxnSpPr>
@@ -4215,10 +4338,10 @@
       </p:cxnSp>
       <p:cxnSp>
         <p:nvCxnSpPr>
-          <p:cNvPr id="31" name="Straight Arrow Connector 30"/>
+          <p:cNvPr id="33" name="Straight Arrow Connector 32"/>
           <p:cNvCxnSpPr>
-            <a:stCxn id="26" idx="3"/>
-            <a:endCxn id="27" idx="1"/>
+            <a:stCxn id="28" idx="3"/>
+            <a:endCxn id="30" idx="1"/>
           </p:cNvCxnSpPr>
           <p:nvPr/>
         </p:nvCxnSpPr>
@@ -4257,8 +4380,8 @@
         </p:nvSpPr>
         <p:spPr>
           <a:xfrm>
-            <a:off x="395288" y="2132528"/>
-            <a:ext cx="11682412" cy="3908762"/>
+            <a:off x="590554" y="1979623"/>
+            <a:ext cx="11382374" cy="861774"/>
           </a:xfrm>
           <a:prstGeom prst="rect">
             <a:avLst/>
@@ -4272,166 +4395,42 @@
           <a:p>
             <a:r>
               <a:rPr lang="en-US" sz="3200" dirty="0" smtClean="0"/>
-              <a:t>Usage + Location </a:t>
-            </a:r>
-            <a:endParaRPr lang="en-US" dirty="0" smtClean="0"/>
+              <a:t>Results</a:t>
+            </a:r>
           </a:p>
           <a:p>
             <a:endParaRPr lang="en-US" dirty="0"/>
           </a:p>
-          <a:p>
-            <a:r>
-              <a:rPr lang="en-US" dirty="0" smtClean="0"/>
-              <a:t>(</a:t>
-            </a:r>
-            <a:r>
-              <a:rPr lang="en-US" dirty="0" err="1" smtClean="0"/>
-              <a:t>cycIF_reg</a:t>
-            </a:r>
-            <a:r>
-              <a:rPr lang="en-US" dirty="0" smtClean="0"/>
-              <a:t>) teddy@RWS01360:/</a:t>
-            </a:r>
-            <a:r>
-              <a:rPr lang="en-US" dirty="0" err="1" smtClean="0"/>
-              <a:t>mnt</a:t>
-            </a:r>
-            <a:r>
-              <a:rPr lang="en-US" dirty="0" smtClean="0"/>
-              <a:t>/c/Users/Public/</a:t>
-            </a:r>
-            <a:r>
-              <a:rPr lang="en-US" dirty="0" err="1" smtClean="0"/>
-              <a:t>cyclicIF_processing</a:t>
-            </a:r>
-            <a:r>
-              <a:rPr lang="en-US" dirty="0" smtClean="0"/>
-              <a:t>/</a:t>
-            </a:r>
-            <a:r>
-              <a:rPr lang="en-US" dirty="0" err="1" smtClean="0"/>
-              <a:t>cyclicIF_registration</a:t>
-            </a:r>
-            <a:r>
-              <a:rPr lang="en-US" dirty="0" smtClean="0"/>
-              <a:t>/workflow/scripts$ python register_core.py --help</a:t>
-            </a:r>
-          </a:p>
-          <a:p>
-            <a:r>
-              <a:rPr lang="en-US" dirty="0" smtClean="0"/>
-              <a:t>starting `register_core.py`...</a:t>
-            </a:r>
-          </a:p>
-          <a:p>
-            <a:r>
-              <a:rPr lang="en-US" dirty="0" smtClean="0"/>
-              <a:t>usage: register_core.py [-h] [--input input] [--</a:t>
-            </a:r>
-            <a:r>
-              <a:rPr lang="en-US" dirty="0" err="1" smtClean="0"/>
-              <a:t>config</a:t>
-            </a:r>
-            <a:r>
-              <a:rPr lang="en-US" dirty="0" smtClean="0"/>
-              <a:t> </a:t>
-            </a:r>
-            <a:r>
-              <a:rPr lang="en-US" dirty="0" err="1" smtClean="0"/>
-              <a:t>config</a:t>
-            </a:r>
-            <a:r>
-              <a:rPr lang="en-US" dirty="0" smtClean="0"/>
-              <a:t>]</a:t>
-            </a:r>
-          </a:p>
-          <a:p>
-            <a:endParaRPr lang="en-US" dirty="0" smtClean="0"/>
-          </a:p>
-          <a:p>
-            <a:r>
-              <a:rPr lang="en-US" dirty="0" err="1" smtClean="0"/>
-              <a:t>CyclicIF</a:t>
-            </a:r>
-            <a:r>
-              <a:rPr lang="en-US" dirty="0" smtClean="0"/>
-              <a:t> registration pipeline. Registration of an individual core across rounds + channels.</a:t>
-            </a:r>
-          </a:p>
-          <a:p>
-            <a:endParaRPr lang="en-US" dirty="0" smtClean="0"/>
-          </a:p>
-          <a:p>
-            <a:r>
-              <a:rPr lang="en-US" dirty="0" smtClean="0"/>
-              <a:t>optional arguments:</a:t>
-            </a:r>
-          </a:p>
-          <a:p>
-            <a:r>
-              <a:rPr lang="en-US" dirty="0" smtClean="0"/>
-              <a:t>  -h, --help       show this help message and exit</a:t>
-            </a:r>
-          </a:p>
-          <a:p>
-            <a:r>
-              <a:rPr lang="en-US" dirty="0" smtClean="0"/>
-              <a:t>  --input </a:t>
-            </a:r>
-            <a:r>
-              <a:rPr lang="en-US" dirty="0" err="1" smtClean="0"/>
-              <a:t>input</a:t>
-            </a:r>
-            <a:r>
-              <a:rPr lang="en-US" dirty="0" smtClean="0"/>
-              <a:t>    core directory (.</a:t>
-            </a:r>
-            <a:r>
-              <a:rPr lang="en-US" dirty="0" err="1" smtClean="0"/>
-              <a:t>tif</a:t>
-            </a:r>
-            <a:r>
-              <a:rPr lang="en-US" dirty="0" smtClean="0"/>
-              <a:t> core images)</a:t>
-            </a:r>
-          </a:p>
-          <a:p>
-            <a:r>
-              <a:rPr lang="en-US" dirty="0" smtClean="0"/>
-              <a:t>  --</a:t>
-            </a:r>
-            <a:r>
-              <a:rPr lang="en-US" dirty="0" err="1" smtClean="0"/>
-              <a:t>config</a:t>
-            </a:r>
-            <a:r>
-              <a:rPr lang="en-US" dirty="0" smtClean="0"/>
-              <a:t> </a:t>
-            </a:r>
-            <a:r>
-              <a:rPr lang="en-US" dirty="0" err="1" smtClean="0"/>
-              <a:t>config</a:t>
-            </a:r>
-            <a:r>
-              <a:rPr lang="en-US" dirty="0" smtClean="0"/>
-              <a:t>  path to directory with </a:t>
-            </a:r>
-            <a:r>
-              <a:rPr lang="en-US" dirty="0" err="1" smtClean="0"/>
-              <a:t>config</a:t>
-            </a:r>
-            <a:r>
-              <a:rPr lang="en-US" dirty="0" smtClean="0"/>
-              <a:t> object</a:t>
-            </a:r>
-            <a:endParaRPr lang="en-US" dirty="0"/>
-          </a:p>
-        </p:txBody>
-      </p:sp>
+        </p:txBody>
+      </p:sp>
+      <p:pic>
+        <p:nvPicPr>
+          <p:cNvPr id="3" name="Picture 2"/>
+          <p:cNvPicPr>
+            <a:picLocks noChangeAspect="1"/>
+          </p:cNvPicPr>
+          <p:nvPr/>
+        </p:nvPicPr>
+        <p:blipFill>
+          <a:blip r:embed="rId2"/>
+          <a:stretch>
+            <a:fillRect/>
+          </a:stretch>
+        </p:blipFill>
+        <p:spPr>
+          <a:xfrm>
+            <a:off x="2295528" y="2085975"/>
+            <a:ext cx="8362950" cy="4772025"/>
+          </a:xfrm>
+          <a:prstGeom prst="rect">
+            <a:avLst/>
+          </a:prstGeom>
+        </p:spPr>
+      </p:pic>
     </p:spTree>
     <p:extLst>
       <p:ext uri="{BB962C8B-B14F-4D97-AF65-F5344CB8AC3E}">
-        <p14:creationId xmlns:p14="http://schemas.microsoft.com/office/powerpoint/2010/main" val="1248660328"/>
+        <p14:creationId xmlns:p14="http://schemas.microsoft.com/office/powerpoint/2010/main" val="3645235722"/>
       </p:ext>
     </p:extLst>
   </p:cSld>
@@ -5010,7 +5009,7 @@
         <p:spPr>
           <a:xfrm>
             <a:off x="395288" y="2132528"/>
-            <a:ext cx="11682412" cy="1415772"/>
+            <a:ext cx="11682412" cy="3908762"/>
           </a:xfrm>
           <a:prstGeom prst="rect">
             <a:avLst/>
@@ -5024,31 +5023,157 @@
           <a:p>
             <a:r>
               <a:rPr lang="en-US" sz="3200" dirty="0" smtClean="0"/>
-              <a:t>Methods Overview</a:t>
+              <a:t>Usage + Location </a:t>
             </a:r>
             <a:endParaRPr lang="en-US" dirty="0" smtClean="0"/>
           </a:p>
           <a:p>
+            <a:endParaRPr lang="en-US" dirty="0"/>
+          </a:p>
+          <a:p>
+            <a:r>
+              <a:rPr lang="en-US" dirty="0" smtClean="0"/>
+              <a:t>(</a:t>
+            </a:r>
+            <a:r>
+              <a:rPr lang="en-US" dirty="0" err="1" smtClean="0"/>
+              <a:t>cycIF_reg</a:t>
+            </a:r>
+            <a:r>
+              <a:rPr lang="en-US" dirty="0" smtClean="0"/>
+              <a:t>) teddy@RWS01360:/</a:t>
+            </a:r>
+            <a:r>
+              <a:rPr lang="en-US" dirty="0" err="1" smtClean="0"/>
+              <a:t>mnt</a:t>
+            </a:r>
+            <a:r>
+              <a:rPr lang="en-US" dirty="0" smtClean="0"/>
+              <a:t>/c/Users/Public/</a:t>
+            </a:r>
+            <a:r>
+              <a:rPr lang="en-US" dirty="0" err="1" smtClean="0"/>
+              <a:t>cyclicIF_processing</a:t>
+            </a:r>
+            <a:r>
+              <a:rPr lang="en-US" dirty="0" smtClean="0"/>
+              <a:t>/</a:t>
+            </a:r>
+            <a:r>
+              <a:rPr lang="en-US" dirty="0" err="1" smtClean="0"/>
+              <a:t>cyclicIF_registration</a:t>
+            </a:r>
+            <a:r>
+              <a:rPr lang="en-US" dirty="0" smtClean="0"/>
+              <a:t>/workflow/scripts$ python register_core.py --help</a:t>
+            </a:r>
+          </a:p>
+          <a:p>
+            <a:r>
+              <a:rPr lang="en-US" dirty="0" smtClean="0"/>
+              <a:t>starting `register_core.py`...</a:t>
+            </a:r>
+          </a:p>
+          <a:p>
+            <a:r>
+              <a:rPr lang="en-US" dirty="0" smtClean="0"/>
+              <a:t>usage: register_core.py [-h] [--input input] [--</a:t>
+            </a:r>
+            <a:r>
+              <a:rPr lang="en-US" dirty="0" err="1" smtClean="0"/>
+              <a:t>config</a:t>
+            </a:r>
+            <a:r>
+              <a:rPr lang="en-US" dirty="0" smtClean="0"/>
+              <a:t> </a:t>
+            </a:r>
+            <a:r>
+              <a:rPr lang="en-US" dirty="0" err="1" smtClean="0"/>
+              <a:t>config</a:t>
+            </a:r>
+            <a:r>
+              <a:rPr lang="en-US" dirty="0" smtClean="0"/>
+              <a:t>]</a:t>
+            </a:r>
+          </a:p>
+          <a:p>
             <a:endParaRPr lang="en-US" dirty="0" smtClean="0"/>
           </a:p>
           <a:p>
-            <a:pPr marL="285750" indent="-285750">
-              <a:buFontTx/>
-              <a:buChar char="-"/>
-            </a:pPr>
-            <a:r>
-              <a:rPr lang="en-US" dirty="0" smtClean="0"/>
-              <a:t>Gradient Descent Optimizer using Mutual Information as the metric </a:t>
-            </a:r>
-          </a:p>
-          <a:p>
-            <a:pPr marL="285750" indent="-285750">
-              <a:buFontTx/>
-              <a:buChar char="-"/>
-            </a:pPr>
-            <a:r>
-              <a:rPr lang="en-US" dirty="0" smtClean="0"/>
-              <a:t> &lt; 20 iterations </a:t>
+            <a:r>
+              <a:rPr lang="en-US" dirty="0" err="1" smtClean="0"/>
+              <a:t>CyclicIF</a:t>
+            </a:r>
+            <a:r>
+              <a:rPr lang="en-US" dirty="0" smtClean="0"/>
+              <a:t> registration pipeline. Registration of an individual core across rounds + channels.</a:t>
+            </a:r>
+          </a:p>
+          <a:p>
+            <a:endParaRPr lang="en-US" dirty="0" smtClean="0"/>
+          </a:p>
+          <a:p>
+            <a:r>
+              <a:rPr lang="en-US" dirty="0" smtClean="0"/>
+              <a:t>optional arguments:</a:t>
+            </a:r>
+          </a:p>
+          <a:p>
+            <a:r>
+              <a:rPr lang="en-US" dirty="0" smtClean="0"/>
+              <a:t>  -h, --help       show this help message and exit</a:t>
+            </a:r>
+          </a:p>
+          <a:p>
+            <a:r>
+              <a:rPr lang="en-US" dirty="0" smtClean="0"/>
+              <a:t>  --input </a:t>
+            </a:r>
+            <a:r>
+              <a:rPr lang="en-US" dirty="0" err="1" smtClean="0"/>
+              <a:t>input</a:t>
+            </a:r>
+            <a:r>
+              <a:rPr lang="en-US" dirty="0" smtClean="0"/>
+              <a:t>    core directory (.</a:t>
+            </a:r>
+            <a:r>
+              <a:rPr lang="en-US" dirty="0" err="1" smtClean="0"/>
+              <a:t>tif</a:t>
+            </a:r>
+            <a:r>
+              <a:rPr lang="en-US" dirty="0" smtClean="0"/>
+              <a:t> core images)</a:t>
+            </a:r>
+          </a:p>
+          <a:p>
+            <a:r>
+              <a:rPr lang="en-US" dirty="0" smtClean="0"/>
+              <a:t>  --</a:t>
+            </a:r>
+            <a:r>
+              <a:rPr lang="en-US" dirty="0" err="1" smtClean="0"/>
+              <a:t>config</a:t>
+            </a:r>
+            <a:r>
+              <a:rPr lang="en-US" dirty="0" smtClean="0"/>
+              <a:t> </a:t>
+            </a:r>
+            <a:r>
+              <a:rPr lang="en-US" dirty="0" err="1" smtClean="0"/>
+              <a:t>config</a:t>
+            </a:r>
+            <a:r>
+              <a:rPr lang="en-US" dirty="0" smtClean="0"/>
+              <a:t>  path to directory with </a:t>
+            </a:r>
+            <a:r>
+              <a:rPr lang="en-US" dirty="0" err="1" smtClean="0"/>
+              <a:t>config</a:t>
+            </a:r>
+            <a:r>
+              <a:rPr lang="en-US" dirty="0" smtClean="0"/>
+              <a:t> object</a:t>
             </a:r>
             <a:endParaRPr lang="en-US" dirty="0"/>
           </a:p>
@@ -5057,7 +5182,7 @@
     </p:spTree>
     <p:extLst>
       <p:ext uri="{BB962C8B-B14F-4D97-AF65-F5344CB8AC3E}">
-        <p14:creationId xmlns:p14="http://schemas.microsoft.com/office/powerpoint/2010/main" val="2389295943"/>
+        <p14:creationId xmlns:p14="http://schemas.microsoft.com/office/powerpoint/2010/main" val="1248660328"/>
       </p:ext>
     </p:extLst>
   </p:cSld>
@@ -5636,7 +5761,7 @@
         <p:spPr>
           <a:xfrm>
             <a:off x="395288" y="2132528"/>
-            <a:ext cx="11682412" cy="1138773"/>
+            <a:ext cx="11682412" cy="1415772"/>
           </a:xfrm>
           <a:prstGeom prst="rect">
             <a:avLst/>
@@ -5650,7 +5775,7 @@
           <a:p>
             <a:r>
               <a:rPr lang="en-US" sz="3200" dirty="0" smtClean="0"/>
-              <a:t>Results</a:t>
+              <a:t>Methods Overview</a:t>
             </a:r>
             <a:endParaRPr lang="en-US" dirty="0" smtClean="0"/>
           </a:p>
@@ -5658,6 +5783,24 @@
             <a:endParaRPr lang="en-US" dirty="0" smtClean="0"/>
           </a:p>
           <a:p>
+            <a:pPr marL="285750" indent="-285750">
+              <a:buFontTx/>
+              <a:buChar char="-"/>
+            </a:pPr>
+            <a:r>
+              <a:rPr lang="en-US" dirty="0" smtClean="0"/>
+              <a:t>Gradient Descent Optimizer using Mutual Information as the metric </a:t>
+            </a:r>
+          </a:p>
+          <a:p>
+            <a:pPr marL="285750" indent="-285750">
+              <a:buFontTx/>
+              <a:buChar char="-"/>
+            </a:pPr>
+            <a:r>
+              <a:rPr lang="en-US" dirty="0" smtClean="0"/>
+              <a:t> &lt; 20 iterations </a:t>
+            </a:r>
             <a:endParaRPr lang="en-US" dirty="0"/>
           </a:p>
         </p:txBody>
@@ -5665,7 +5808,7 @@
     </p:spTree>
     <p:extLst>
       <p:ext uri="{BB962C8B-B14F-4D97-AF65-F5344CB8AC3E}">
-        <p14:creationId xmlns:p14="http://schemas.microsoft.com/office/powerpoint/2010/main" val="2781643239"/>
+        <p14:creationId xmlns:p14="http://schemas.microsoft.com/office/powerpoint/2010/main" val="2389295943"/>
       </p:ext>
     </p:extLst>
   </p:cSld>
@@ -5927,7 +6070,7 @@
             <a:avLst/>
           </a:prstGeom>
           <a:solidFill>
-            <a:schemeClr val="accent1"/>
+            <a:srgbClr val="FFC000"/>
           </a:solidFill>
         </p:spPr>
         <p:style>
@@ -6009,9 +6152,6 @@
           <a:prstGeom prst="rect">
             <a:avLst/>
           </a:prstGeom>
-          <a:solidFill>
-            <a:srgbClr val="FFC000"/>
-          </a:solidFill>
         </p:spPr>
         <p:style>
           <a:lnRef idx="2">
@@ -6240,268 +6380,35 @@
       </p:cxnSp>
       <p:sp>
         <p:nvSpPr>
-          <p:cNvPr id="3" name="Rectangle 2"/>
+          <p:cNvPr id="2" name="Rectangle 1"/>
           <p:cNvSpPr/>
           <p:nvPr/>
         </p:nvSpPr>
         <p:spPr>
           <a:xfrm>
-            <a:off x="619126" y="2639616"/>
-            <a:ext cx="6096000" cy="3693319"/>
-          </a:xfrm>
-          <a:prstGeom prst="rect">
-            <a:avLst/>
-          </a:prstGeom>
-        </p:spPr>
-        <p:txBody>
-          <a:bodyPr>
+            <a:off x="395288" y="2132528"/>
+            <a:ext cx="11682412" cy="1138773"/>
+          </a:xfrm>
+          <a:prstGeom prst="rect">
+            <a:avLst/>
+          </a:prstGeom>
+        </p:spPr>
+        <p:txBody>
+          <a:bodyPr wrap="square">
             <a:spAutoFit/>
           </a:bodyPr>
           <a:lstStyle/>
           <a:p>
             <a:r>
-              <a:rPr lang="en-US" dirty="0" smtClean="0"/>
-              <a:t>(</a:t>
-            </a:r>
-            <a:r>
-              <a:rPr lang="en-US" dirty="0" err="1" smtClean="0"/>
-              <a:t>cycIF_reg</a:t>
-            </a:r>
-            <a:r>
-              <a:rPr lang="en-US" dirty="0" smtClean="0"/>
-              <a:t>) teddy@RWS01360:/</a:t>
-            </a:r>
-            <a:r>
-              <a:rPr lang="en-US" dirty="0" err="1" smtClean="0"/>
-              <a:t>mnt</a:t>
-            </a:r>
-            <a:r>
-              <a:rPr lang="en-US" dirty="0" smtClean="0"/>
-              <a:t>/c/Users/Public/</a:t>
-            </a:r>
-            <a:r>
-              <a:rPr lang="en-US" dirty="0" err="1" smtClean="0"/>
-              <a:t>cyclicIF_processing</a:t>
-            </a:r>
-            <a:r>
-              <a:rPr lang="en-US" dirty="0" smtClean="0"/>
-              <a:t>/</a:t>
-            </a:r>
-            <a:r>
-              <a:rPr lang="en-US" dirty="0" err="1" smtClean="0"/>
-              <a:t>cyclicIF_registration</a:t>
-            </a:r>
-            <a:r>
-              <a:rPr lang="en-US" dirty="0" smtClean="0"/>
-              <a:t>/workflow/scripts$ python evaluate_core_registration.py --help</a:t>
-            </a:r>
-          </a:p>
-          <a:p>
-            <a:r>
-              <a:rPr lang="en-US" dirty="0" smtClean="0"/>
-              <a:t>starting `evaluate_core_registration.py`...</a:t>
-            </a:r>
-          </a:p>
-          <a:p>
-            <a:r>
-              <a:rPr lang="en-US" dirty="0" smtClean="0"/>
-              <a:t>usage: evaluate_core_registration.py [-h] [--input in]</a:t>
-            </a:r>
-          </a:p>
-          <a:p>
+              <a:rPr lang="en-US" sz="3200" dirty="0" smtClean="0"/>
+              <a:t>Results</a:t>
+            </a:r>
             <a:endParaRPr lang="en-US" dirty="0" smtClean="0"/>
           </a:p>
           <a:p>
-            <a:r>
-              <a:rPr lang="en-US" dirty="0" err="1" smtClean="0"/>
-              <a:t>CyclicIF</a:t>
-            </a:r>
-            <a:r>
-              <a:rPr lang="en-US" dirty="0" smtClean="0"/>
-              <a:t> registration pipeline. Evaluating a registration of an individual core across rounds + channels.</a:t>
-            </a:r>
-          </a:p>
-          <a:p>
             <a:endParaRPr lang="en-US" dirty="0" smtClean="0"/>
           </a:p>
           <a:p>
-            <a:r>
-              <a:rPr lang="en-US" dirty="0" smtClean="0"/>
-              <a:t>optional arguments:</a:t>
-            </a:r>
-          </a:p>
-          <a:p>
-            <a:r>
-              <a:rPr lang="en-US" dirty="0" smtClean="0"/>
-              <a:t>  -h, --help  show this help message and exit</a:t>
-            </a:r>
-          </a:p>
-          <a:p>
-            <a:r>
-              <a:rPr lang="en-US" dirty="0" smtClean="0"/>
-              <a:t>  --input in  core directory (.</a:t>
-            </a:r>
-            <a:r>
-              <a:rPr lang="en-US" dirty="0" err="1" smtClean="0"/>
-              <a:t>tif</a:t>
-            </a:r>
-            <a:r>
-              <a:rPr lang="en-US" dirty="0" smtClean="0"/>
-              <a:t> core images)</a:t>
-            </a:r>
-            <a:endParaRPr lang="en-US" dirty="0"/>
-          </a:p>
-        </p:txBody>
-      </p:sp>
-      <p:sp>
-        <p:nvSpPr>
-          <p:cNvPr id="5" name="TextBox 4"/>
-          <p:cNvSpPr txBox="1"/>
-          <p:nvPr/>
-        </p:nvSpPr>
-        <p:spPr>
-          <a:xfrm>
-            <a:off x="4981576" y="2185988"/>
-            <a:ext cx="1015599" cy="369332"/>
-          </a:xfrm>
-          <a:prstGeom prst="rect">
-            <a:avLst/>
-          </a:prstGeom>
-          <a:noFill/>
-        </p:spPr>
-        <p:txBody>
-          <a:bodyPr wrap="none" rtlCol="0">
-            <a:spAutoFit/>
-          </a:bodyPr>
-          <a:lstStyle/>
-          <a:p>
-            <a:r>
-              <a:rPr lang="en-US" dirty="0" smtClean="0"/>
-              <a:t>2 scripts </a:t>
-            </a:r>
-            <a:endParaRPr lang="en-US" dirty="0"/>
-          </a:p>
-        </p:txBody>
-      </p:sp>
-      <p:sp>
-        <p:nvSpPr>
-          <p:cNvPr id="8" name="Rectangle 7"/>
-          <p:cNvSpPr/>
-          <p:nvPr/>
-        </p:nvSpPr>
-        <p:spPr>
-          <a:xfrm>
-            <a:off x="6715126" y="2639616"/>
-            <a:ext cx="6096000" cy="3693319"/>
-          </a:xfrm>
-          <a:prstGeom prst="rect">
-            <a:avLst/>
-          </a:prstGeom>
-        </p:spPr>
-        <p:txBody>
-          <a:bodyPr>
-            <a:spAutoFit/>
-          </a:bodyPr>
-          <a:lstStyle/>
-          <a:p>
-            <a:r>
-              <a:rPr lang="en-US" dirty="0" smtClean="0"/>
-              <a:t>(</a:t>
-            </a:r>
-            <a:r>
-              <a:rPr lang="en-US" dirty="0" err="1" smtClean="0"/>
-              <a:t>cycIF_reg</a:t>
-            </a:r>
-            <a:r>
-              <a:rPr lang="en-US" dirty="0" smtClean="0"/>
-              <a:t>) teddy@RWS01360:/</a:t>
-            </a:r>
-            <a:r>
-              <a:rPr lang="en-US" dirty="0" err="1" smtClean="0"/>
-              <a:t>mnt</a:t>
-            </a:r>
-            <a:r>
-              <a:rPr lang="en-US" dirty="0" smtClean="0"/>
-              <a:t>/c/Users/Public/</a:t>
-            </a:r>
-            <a:r>
-              <a:rPr lang="en-US" dirty="0" err="1" smtClean="0"/>
-              <a:t>cyclicIF_processing</a:t>
-            </a:r>
-            <a:r>
-              <a:rPr lang="en-US" dirty="0" smtClean="0"/>
-              <a:t>/</a:t>
-            </a:r>
-            <a:r>
-              <a:rPr lang="en-US" dirty="0" err="1" smtClean="0"/>
-              <a:t>cyclicIF_registration</a:t>
-            </a:r>
-            <a:r>
-              <a:rPr lang="en-US" dirty="0" smtClean="0"/>
-              <a:t>/workflow/scripts$ python aggregate_results.py --help</a:t>
-            </a:r>
-          </a:p>
-          <a:p>
-            <a:r>
-              <a:rPr lang="en-US" dirty="0" smtClean="0"/>
-              <a:t>starting `aggregate_results.py`...</a:t>
-            </a:r>
-          </a:p>
-          <a:p>
-            <a:r>
-              <a:rPr lang="en-US" dirty="0" smtClean="0"/>
-              <a:t>usage: aggregate_results.py [-h] [--</a:t>
-            </a:r>
-            <a:r>
-              <a:rPr lang="en-US" dirty="0" err="1" smtClean="0"/>
-              <a:t>dir</a:t>
-            </a:r>
-            <a:r>
-              <a:rPr lang="en-US" dirty="0" smtClean="0"/>
-              <a:t> in]</a:t>
-            </a:r>
-          </a:p>
-          <a:p>
-            <a:endParaRPr lang="en-US" dirty="0" smtClean="0"/>
-          </a:p>
-          <a:p>
-            <a:r>
-              <a:rPr lang="en-US" dirty="0" err="1" smtClean="0"/>
-              <a:t>CyclicIF</a:t>
-            </a:r>
-            <a:r>
-              <a:rPr lang="en-US" dirty="0" smtClean="0"/>
-              <a:t> registration pipeline. Aggregate all registration results for a given output directory.</a:t>
-            </a:r>
-          </a:p>
-          <a:p>
-            <a:endParaRPr lang="en-US" dirty="0" smtClean="0"/>
-          </a:p>
-          <a:p>
-            <a:r>
-              <a:rPr lang="en-US" dirty="0" smtClean="0"/>
-              <a:t>optional arguments:</a:t>
-            </a:r>
-          </a:p>
-          <a:p>
-            <a:r>
-              <a:rPr lang="en-US" dirty="0" smtClean="0"/>
-              <a:t>  -h, --help  show this help message and exit</a:t>
-            </a:r>
-          </a:p>
-          <a:p>
-            <a:r>
-              <a:rPr lang="en-US" dirty="0" smtClean="0"/>
-              <a:t>  --</a:t>
-            </a:r>
-            <a:r>
-              <a:rPr lang="en-US" dirty="0" err="1" smtClean="0"/>
-              <a:t>dir</a:t>
-            </a:r>
-            <a:r>
-              <a:rPr lang="en-US" dirty="0" smtClean="0"/>
-              <a:t> in    output directory</a:t>
-            </a:r>
             <a:endParaRPr lang="en-US" dirty="0"/>
           </a:p>
         </p:txBody>
@@ -6509,7 +6416,7 @@
     </p:spTree>
     <p:extLst>
       <p:ext uri="{BB962C8B-B14F-4D97-AF65-F5344CB8AC3E}">
-        <p14:creationId xmlns:p14="http://schemas.microsoft.com/office/powerpoint/2010/main" val="1688175997"/>
+        <p14:creationId xmlns:p14="http://schemas.microsoft.com/office/powerpoint/2010/main" val="2781643239"/>
       </p:ext>
     </p:extLst>
   </p:cSld>
@@ -7091,7 +6998,7 @@
         <p:spPr>
           <a:xfrm>
             <a:off x="619126" y="2639616"/>
-            <a:ext cx="6096000" cy="523220"/>
+            <a:ext cx="6096000" cy="3693319"/>
           </a:xfrm>
           <a:prstGeom prst="rect">
             <a:avLst/>
@@ -7104,8 +7011,247 @@
           <a:lstStyle/>
           <a:p>
             <a:r>
-              <a:rPr lang="en-US" sz="2800" dirty="0" smtClean="0"/>
-              <a:t>Methods Overview</a:t>
+              <a:rPr lang="en-US" dirty="0" smtClean="0"/>
+              <a:t>(</a:t>
+            </a:r>
+            <a:r>
+              <a:rPr lang="en-US" dirty="0" err="1" smtClean="0"/>
+              <a:t>cycIF_reg</a:t>
+            </a:r>
+            <a:r>
+              <a:rPr lang="en-US" dirty="0" smtClean="0"/>
+              <a:t>) teddy@RWS01360:/</a:t>
+            </a:r>
+            <a:r>
+              <a:rPr lang="en-US" dirty="0" err="1" smtClean="0"/>
+              <a:t>mnt</a:t>
+            </a:r>
+            <a:r>
+              <a:rPr lang="en-US" dirty="0" smtClean="0"/>
+              <a:t>/c/Users/Public/</a:t>
+            </a:r>
+            <a:r>
+              <a:rPr lang="en-US" dirty="0" err="1" smtClean="0"/>
+              <a:t>cyclicIF_processing</a:t>
+            </a:r>
+            <a:r>
+              <a:rPr lang="en-US" dirty="0" smtClean="0"/>
+              <a:t>/</a:t>
+            </a:r>
+            <a:r>
+              <a:rPr lang="en-US" dirty="0" err="1" smtClean="0"/>
+              <a:t>cyclicIF_registration</a:t>
+            </a:r>
+            <a:r>
+              <a:rPr lang="en-US" dirty="0" smtClean="0"/>
+              <a:t>/workflow/scripts$ python evaluate_core_registration.py --help</a:t>
+            </a:r>
+          </a:p>
+          <a:p>
+            <a:r>
+              <a:rPr lang="en-US" dirty="0" smtClean="0"/>
+              <a:t>starting `evaluate_core_registration.py`...</a:t>
+            </a:r>
+          </a:p>
+          <a:p>
+            <a:r>
+              <a:rPr lang="en-US" dirty="0" smtClean="0"/>
+              <a:t>usage: evaluate_core_registration.py [-h] [--input in]</a:t>
+            </a:r>
+          </a:p>
+          <a:p>
+            <a:endParaRPr lang="en-US" dirty="0" smtClean="0"/>
+          </a:p>
+          <a:p>
+            <a:r>
+              <a:rPr lang="en-US" dirty="0" err="1" smtClean="0"/>
+              <a:t>CyclicIF</a:t>
+            </a:r>
+            <a:r>
+              <a:rPr lang="en-US" dirty="0" smtClean="0"/>
+              <a:t> registration pipeline. Evaluating a registration of an individual core across rounds + channels.</a:t>
+            </a:r>
+          </a:p>
+          <a:p>
+            <a:endParaRPr lang="en-US" dirty="0" smtClean="0"/>
+          </a:p>
+          <a:p>
+            <a:r>
+              <a:rPr lang="en-US" dirty="0" smtClean="0"/>
+              <a:t>optional arguments:</a:t>
+            </a:r>
+          </a:p>
+          <a:p>
+            <a:r>
+              <a:rPr lang="en-US" dirty="0" smtClean="0"/>
+              <a:t>  -h, --help  show this help message and exit</a:t>
+            </a:r>
+          </a:p>
+          <a:p>
+            <a:r>
+              <a:rPr lang="en-US" dirty="0" smtClean="0"/>
+              <a:t>  --input in  core directory (.</a:t>
+            </a:r>
+            <a:r>
+              <a:rPr lang="en-US" dirty="0" err="1" smtClean="0"/>
+              <a:t>tif</a:t>
+            </a:r>
+            <a:r>
+              <a:rPr lang="en-US" dirty="0" smtClean="0"/>
+              <a:t> core images)</a:t>
+            </a:r>
+            <a:endParaRPr lang="en-US" dirty="0"/>
+          </a:p>
+        </p:txBody>
+      </p:sp>
+      <p:sp>
+        <p:nvSpPr>
+          <p:cNvPr id="5" name="TextBox 4"/>
+          <p:cNvSpPr txBox="1"/>
+          <p:nvPr/>
+        </p:nvSpPr>
+        <p:spPr>
+          <a:xfrm>
+            <a:off x="4981576" y="2185988"/>
+            <a:ext cx="1015599" cy="369332"/>
+          </a:xfrm>
+          <a:prstGeom prst="rect">
+            <a:avLst/>
+          </a:prstGeom>
+          <a:noFill/>
+        </p:spPr>
+        <p:txBody>
+          <a:bodyPr wrap="none" rtlCol="0">
+            <a:spAutoFit/>
+          </a:bodyPr>
+          <a:lstStyle/>
+          <a:p>
+            <a:r>
+              <a:rPr lang="en-US" dirty="0" smtClean="0"/>
+              <a:t>2 scripts </a:t>
+            </a:r>
+            <a:endParaRPr lang="en-US" dirty="0"/>
+          </a:p>
+        </p:txBody>
+      </p:sp>
+      <p:sp>
+        <p:nvSpPr>
+          <p:cNvPr id="8" name="Rectangle 7"/>
+          <p:cNvSpPr/>
+          <p:nvPr/>
+        </p:nvSpPr>
+        <p:spPr>
+          <a:xfrm>
+            <a:off x="6715126" y="2639616"/>
+            <a:ext cx="6096000" cy="3693319"/>
+          </a:xfrm>
+          <a:prstGeom prst="rect">
+            <a:avLst/>
+          </a:prstGeom>
+        </p:spPr>
+        <p:txBody>
+          <a:bodyPr>
+            <a:spAutoFit/>
+          </a:bodyPr>
+          <a:lstStyle/>
+          <a:p>
+            <a:r>
+              <a:rPr lang="en-US" dirty="0" smtClean="0"/>
+              <a:t>(</a:t>
+            </a:r>
+            <a:r>
+              <a:rPr lang="en-US" dirty="0" err="1" smtClean="0"/>
+              <a:t>cycIF_reg</a:t>
+            </a:r>
+            <a:r>
+              <a:rPr lang="en-US" dirty="0" smtClean="0"/>
+              <a:t>) teddy@RWS01360:/</a:t>
+            </a:r>
+            <a:r>
+              <a:rPr lang="en-US" dirty="0" err="1" smtClean="0"/>
+              <a:t>mnt</a:t>
+            </a:r>
+            <a:r>
+              <a:rPr lang="en-US" dirty="0" smtClean="0"/>
+              <a:t>/c/Users/Public/</a:t>
+            </a:r>
+            <a:r>
+              <a:rPr lang="en-US" dirty="0" err="1" smtClean="0"/>
+              <a:t>cyclicIF_processing</a:t>
+            </a:r>
+            <a:r>
+              <a:rPr lang="en-US" dirty="0" smtClean="0"/>
+              <a:t>/</a:t>
+            </a:r>
+            <a:r>
+              <a:rPr lang="en-US" dirty="0" err="1" smtClean="0"/>
+              <a:t>cyclicIF_registration</a:t>
+            </a:r>
+            <a:r>
+              <a:rPr lang="en-US" dirty="0" smtClean="0"/>
+              <a:t>/workflow/scripts$ python aggregate_results.py --help</a:t>
+            </a:r>
+          </a:p>
+          <a:p>
+            <a:r>
+              <a:rPr lang="en-US" dirty="0" smtClean="0"/>
+              <a:t>starting `aggregate_results.py`...</a:t>
+            </a:r>
+          </a:p>
+          <a:p>
+            <a:r>
+              <a:rPr lang="en-US" dirty="0" smtClean="0"/>
+              <a:t>usage: aggregate_results.py [-h] [--</a:t>
+            </a:r>
+            <a:r>
+              <a:rPr lang="en-US" dirty="0" err="1" smtClean="0"/>
+              <a:t>dir</a:t>
+            </a:r>
+            <a:r>
+              <a:rPr lang="en-US" dirty="0" smtClean="0"/>
+              <a:t> in]</a:t>
+            </a:r>
+          </a:p>
+          <a:p>
+            <a:endParaRPr lang="en-US" dirty="0" smtClean="0"/>
+          </a:p>
+          <a:p>
+            <a:r>
+              <a:rPr lang="en-US" dirty="0" err="1" smtClean="0"/>
+              <a:t>CyclicIF</a:t>
+            </a:r>
+            <a:r>
+              <a:rPr lang="en-US" dirty="0" smtClean="0"/>
+              <a:t> registration pipeline. Aggregate all registration results for a given output directory.</a:t>
+            </a:r>
+          </a:p>
+          <a:p>
+            <a:endParaRPr lang="en-US" dirty="0" smtClean="0"/>
+          </a:p>
+          <a:p>
+            <a:r>
+              <a:rPr lang="en-US" dirty="0" smtClean="0"/>
+              <a:t>optional arguments:</a:t>
+            </a:r>
+          </a:p>
+          <a:p>
+            <a:r>
+              <a:rPr lang="en-US" dirty="0" smtClean="0"/>
+              <a:t>  -h, --help  show this help message and exit</a:t>
+            </a:r>
+          </a:p>
+          <a:p>
+            <a:r>
+              <a:rPr lang="en-US" dirty="0" smtClean="0"/>
+              <a:t>  --</a:t>
+            </a:r>
+            <a:r>
+              <a:rPr lang="en-US" dirty="0" err="1" smtClean="0"/>
+              <a:t>dir</a:t>
+            </a:r>
+            <a:r>
+              <a:rPr lang="en-US" dirty="0" smtClean="0"/>
+              <a:t> in    output directory</a:t>
             </a:r>
             <a:endParaRPr lang="en-US" dirty="0"/>
           </a:p>
@@ -7114,7 +7260,7 @@
     </p:spTree>
     <p:extLst>
       <p:ext uri="{BB962C8B-B14F-4D97-AF65-F5344CB8AC3E}">
-        <p14:creationId xmlns:p14="http://schemas.microsoft.com/office/powerpoint/2010/main" val="1400045277"/>
+        <p14:creationId xmlns:p14="http://schemas.microsoft.com/office/powerpoint/2010/main" val="1688175997"/>
       </p:ext>
     </p:extLst>
   </p:cSld>
@@ -7710,7 +7856,7 @@
           <a:p>
             <a:r>
               <a:rPr lang="en-US" sz="2800" dirty="0" smtClean="0"/>
-              <a:t>Results</a:t>
+              <a:t>Methods Overview</a:t>
             </a:r>
             <a:endParaRPr lang="en-US" dirty="0"/>
           </a:p>
@@ -7719,7 +7865,7 @@
     </p:spTree>
     <p:extLst>
       <p:ext uri="{BB962C8B-B14F-4D97-AF65-F5344CB8AC3E}">
-        <p14:creationId xmlns:p14="http://schemas.microsoft.com/office/powerpoint/2010/main" val="3259095992"/>
+        <p14:creationId xmlns:p14="http://schemas.microsoft.com/office/powerpoint/2010/main" val="1400045277"/>
       </p:ext>
     </p:extLst>
   </p:cSld>
@@ -8064,7 +8210,7 @@
             <a:avLst/>
           </a:prstGeom>
           <a:solidFill>
-            <a:schemeClr val="accent1"/>
+            <a:srgbClr val="FFC000"/>
           </a:solidFill>
         </p:spPr>
         <p:style>
@@ -8146,9 +8292,6 @@
           <a:prstGeom prst="rect">
             <a:avLst/>
           </a:prstGeom>
-          <a:solidFill>
-            <a:srgbClr val="FFC000"/>
-          </a:solidFill>
         </p:spPr>
         <p:style>
           <a:lnRef idx="2">
@@ -8318,7 +8461,7 @@
           <a:p>
             <a:r>
               <a:rPr lang="en-US" sz="2800" dirty="0" smtClean="0"/>
-              <a:t>Usage + Location</a:t>
+              <a:t>Results</a:t>
             </a:r>
             <a:endParaRPr lang="en-US" dirty="0"/>
           </a:p>
@@ -8327,7 +8470,7 @@
     </p:spTree>
     <p:extLst>
       <p:ext uri="{BB962C8B-B14F-4D97-AF65-F5344CB8AC3E}">
-        <p14:creationId xmlns:p14="http://schemas.microsoft.com/office/powerpoint/2010/main" val="4184690118"/>
+        <p14:creationId xmlns:p14="http://schemas.microsoft.com/office/powerpoint/2010/main" val="3259095992"/>
       </p:ext>
     </p:extLst>
   </p:cSld>
@@ -8926,7 +9069,7 @@
           <a:p>
             <a:r>
               <a:rPr lang="en-US" sz="2800" dirty="0" smtClean="0"/>
-              <a:t>Methods  Overview</a:t>
+              <a:t>Usage + Location</a:t>
             </a:r>
             <a:endParaRPr lang="en-US" dirty="0"/>
           </a:p>
@@ -8935,7 +9078,7 @@
     </p:spTree>
     <p:extLst>
       <p:ext uri="{BB962C8B-B14F-4D97-AF65-F5344CB8AC3E}">
-        <p14:creationId xmlns:p14="http://schemas.microsoft.com/office/powerpoint/2010/main" val="2270048669"/>
+        <p14:creationId xmlns:p14="http://schemas.microsoft.com/office/powerpoint/2010/main" val="4184690118"/>
       </p:ext>
     </p:extLst>
   </p:cSld>
@@ -9534,7 +9677,7 @@
           <a:p>
             <a:r>
               <a:rPr lang="en-US" sz="2800" dirty="0" smtClean="0"/>
-              <a:t>Results</a:t>
+              <a:t>Methods  Overview</a:t>
             </a:r>
             <a:endParaRPr lang="en-US" dirty="0"/>
           </a:p>
@@ -9543,7 +9686,7 @@
     </p:spTree>
     <p:extLst>
       <p:ext uri="{BB962C8B-B14F-4D97-AF65-F5344CB8AC3E}">
-        <p14:creationId xmlns:p14="http://schemas.microsoft.com/office/powerpoint/2010/main" val="753983342"/>
+        <p14:creationId xmlns:p14="http://schemas.microsoft.com/office/powerpoint/2010/main" val="2270048669"/>
       </p:ext>
     </p:extLst>
   </p:cSld>
@@ -10113,7 +10256,7 @@
             <a:avLst/>
           </a:prstGeom>
           <a:solidFill>
-            <a:schemeClr val="accent1"/>
+            <a:srgbClr val="FFC000"/>
           </a:solidFill>
         </p:spPr>
         <p:style>
@@ -10159,9 +10302,6 @@
           <a:prstGeom prst="rect">
             <a:avLst/>
           </a:prstGeom>
-          <a:solidFill>
-            <a:srgbClr val="FFC000"/>
-          </a:solidFill>
         </p:spPr>
         <p:style>
           <a:lnRef idx="2">
@@ -10287,7 +10427,7 @@
           <a:p>
             <a:r>
               <a:rPr lang="en-US" sz="2800" dirty="0" smtClean="0"/>
-              <a:t>Usage + Location</a:t>
+              <a:t>Results</a:t>
             </a:r>
             <a:endParaRPr lang="en-US" dirty="0"/>
           </a:p>
@@ -10296,7 +10436,7 @@
     </p:spTree>
     <p:extLst>
       <p:ext uri="{BB962C8B-B14F-4D97-AF65-F5344CB8AC3E}">
-        <p14:creationId xmlns:p14="http://schemas.microsoft.com/office/powerpoint/2010/main" val="62724715"/>
+        <p14:creationId xmlns:p14="http://schemas.microsoft.com/office/powerpoint/2010/main" val="753983342"/>
       </p:ext>
     </p:extLst>
   </p:cSld>
@@ -10898,7 +11038,7 @@
           <a:p>
             <a:r>
               <a:rPr lang="en-US" sz="2800" dirty="0" smtClean="0"/>
-              <a:t>Methods Overview</a:t>
+              <a:t>Usage + Location</a:t>
             </a:r>
             <a:endParaRPr lang="en-US" dirty="0"/>
           </a:p>
@@ -10907,7 +11047,7 @@
     </p:spTree>
     <p:extLst>
       <p:ext uri="{BB962C8B-B14F-4D97-AF65-F5344CB8AC3E}">
-        <p14:creationId xmlns:p14="http://schemas.microsoft.com/office/powerpoint/2010/main" val="215766173"/>
+        <p14:creationId xmlns:p14="http://schemas.microsoft.com/office/powerpoint/2010/main" val="62724715"/>
       </p:ext>
     </p:extLst>
   </p:cSld>
@@ -11508,8 +11648,8 @@
           <a:lstStyle/>
           <a:p>
             <a:r>
-              <a:rPr lang="en-US" sz="2800" smtClean="0"/>
-              <a:t>Results</a:t>
+              <a:rPr lang="en-US" sz="2800" dirty="0" smtClean="0"/>
+              <a:t>Methods Overview</a:t>
             </a:r>
             <a:endParaRPr lang="en-US" dirty="0"/>
           </a:p>
@@ -11518,7 +11658,7 @@
     </p:spTree>
     <p:extLst>
       <p:ext uri="{BB962C8B-B14F-4D97-AF65-F5344CB8AC3E}">
-        <p14:creationId xmlns:p14="http://schemas.microsoft.com/office/powerpoint/2010/main" val="25238824"/>
+        <p14:creationId xmlns:p14="http://schemas.microsoft.com/office/powerpoint/2010/main" val="215766173"/>
       </p:ext>
     </p:extLst>
   </p:cSld>
@@ -11547,46 +11687,589 @@
       </p:grpSpPr>
       <p:sp>
         <p:nvSpPr>
-          <p:cNvPr id="2" name="Title 1"/>
-          <p:cNvSpPr>
-            <a:spLocks noGrp="1"/>
-          </p:cNvSpPr>
-          <p:nvPr>
-            <p:ph type="title"/>
-          </p:nvPr>
-        </p:nvSpPr>
-        <p:spPr/>
-        <p:txBody>
-          <a:bodyPr/>
-          <a:lstStyle/>
-          <a:p>
-            <a:endParaRPr lang="en-US"/>
-          </a:p>
-        </p:txBody>
-      </p:sp>
-      <p:sp>
-        <p:nvSpPr>
-          <p:cNvPr id="3" name="Content Placeholder 2"/>
-          <p:cNvSpPr>
-            <a:spLocks noGrp="1"/>
-          </p:cNvSpPr>
-          <p:nvPr>
-            <p:ph idx="1"/>
-          </p:nvPr>
-        </p:nvSpPr>
-        <p:spPr/>
-        <p:txBody>
-          <a:bodyPr/>
-          <a:lstStyle/>
-          <a:p>
-            <a:endParaRPr lang="en-US"/>
+          <p:cNvPr id="4" name="Rectangle 3"/>
+          <p:cNvSpPr/>
+          <p:nvPr/>
+        </p:nvSpPr>
+        <p:spPr>
+          <a:xfrm>
+            <a:off x="171450" y="500063"/>
+            <a:ext cx="1314450" cy="1200150"/>
+          </a:xfrm>
+          <a:prstGeom prst="rect">
+            <a:avLst/>
+          </a:prstGeom>
+        </p:spPr>
+        <p:style>
+          <a:lnRef idx="2">
+            <a:schemeClr val="accent1">
+              <a:shade val="50000"/>
+            </a:schemeClr>
+          </a:lnRef>
+          <a:fillRef idx="1">
+            <a:schemeClr val="accent1"/>
+          </a:fillRef>
+          <a:effectRef idx="0">
+            <a:schemeClr val="accent1"/>
+          </a:effectRef>
+          <a:fontRef idx="minor">
+            <a:schemeClr val="lt1"/>
+          </a:fontRef>
+        </p:style>
+        <p:txBody>
+          <a:bodyPr rtlCol="0" anchor="ctr"/>
+          <a:lstStyle/>
+          <a:p>
+            <a:pPr algn="ctr"/>
+            <a:r>
+              <a:rPr lang="en-US" dirty="0" smtClean="0"/>
+              <a:t>Full </a:t>
+            </a:r>
+            <a:r>
+              <a:rPr lang="en-US" dirty="0"/>
+              <a:t>S</a:t>
+            </a:r>
+            <a:r>
+              <a:rPr lang="en-US" dirty="0" smtClean="0"/>
+              <a:t>lide Registration</a:t>
+            </a:r>
+            <a:endParaRPr lang="en-US" dirty="0"/>
+          </a:p>
+        </p:txBody>
+      </p:sp>
+      <p:cxnSp>
+        <p:nvCxnSpPr>
+          <p:cNvPr id="6" name="Straight Arrow Connector 5"/>
+          <p:cNvCxnSpPr>
+            <a:stCxn id="4" idx="3"/>
+            <a:endCxn id="7" idx="1"/>
+          </p:cNvCxnSpPr>
+          <p:nvPr/>
+        </p:nvCxnSpPr>
+        <p:spPr>
+          <a:xfrm>
+            <a:off x="1485900" y="1100138"/>
+            <a:ext cx="433388" cy="0"/>
+          </a:xfrm>
+          <a:prstGeom prst="straightConnector1">
+            <a:avLst/>
+          </a:prstGeom>
+          <a:ln>
+            <a:tailEnd type="triangle"/>
+          </a:ln>
+        </p:spPr>
+        <p:style>
+          <a:lnRef idx="1">
+            <a:schemeClr val="accent1"/>
+          </a:lnRef>
+          <a:fillRef idx="0">
+            <a:schemeClr val="accent1"/>
+          </a:fillRef>
+          <a:effectRef idx="0">
+            <a:schemeClr val="accent1"/>
+          </a:effectRef>
+          <a:fontRef idx="minor">
+            <a:schemeClr val="tx1"/>
+          </a:fontRef>
+        </p:style>
+      </p:cxnSp>
+      <p:sp>
+        <p:nvSpPr>
+          <p:cNvPr id="7" name="Rectangle 6"/>
+          <p:cNvSpPr/>
+          <p:nvPr/>
+        </p:nvSpPr>
+        <p:spPr>
+          <a:xfrm>
+            <a:off x="1919288" y="500063"/>
+            <a:ext cx="1314450" cy="1200150"/>
+          </a:xfrm>
+          <a:prstGeom prst="rect">
+            <a:avLst/>
+          </a:prstGeom>
+        </p:spPr>
+        <p:style>
+          <a:lnRef idx="2">
+            <a:schemeClr val="accent1">
+              <a:shade val="50000"/>
+            </a:schemeClr>
+          </a:lnRef>
+          <a:fillRef idx="1">
+            <a:schemeClr val="accent1"/>
+          </a:fillRef>
+          <a:effectRef idx="0">
+            <a:schemeClr val="accent1"/>
+          </a:effectRef>
+          <a:fontRef idx="minor">
+            <a:schemeClr val="lt1"/>
+          </a:fontRef>
+        </p:style>
+        <p:txBody>
+          <a:bodyPr rtlCol="0" anchor="ctr"/>
+          <a:lstStyle/>
+          <a:p>
+            <a:pPr algn="ctr"/>
+            <a:r>
+              <a:rPr lang="en-US" dirty="0" smtClean="0"/>
+              <a:t>De-dust </a:t>
+            </a:r>
+            <a:r>
+              <a:rPr lang="en-US" dirty="0" err="1" smtClean="0"/>
+              <a:t>dapi</a:t>
+            </a:r>
+            <a:r>
+              <a:rPr lang="en-US" dirty="0" smtClean="0"/>
+              <a:t> images</a:t>
+            </a:r>
+            <a:endParaRPr lang="en-US" dirty="0"/>
+          </a:p>
+        </p:txBody>
+      </p:sp>
+      <p:sp>
+        <p:nvSpPr>
+          <p:cNvPr id="9" name="Rectangle 8"/>
+          <p:cNvSpPr/>
+          <p:nvPr/>
+        </p:nvSpPr>
+        <p:spPr>
+          <a:xfrm>
+            <a:off x="3667126" y="500063"/>
+            <a:ext cx="1314450" cy="1200150"/>
+          </a:xfrm>
+          <a:prstGeom prst="rect">
+            <a:avLst/>
+          </a:prstGeom>
+        </p:spPr>
+        <p:style>
+          <a:lnRef idx="2">
+            <a:schemeClr val="accent1">
+              <a:shade val="50000"/>
+            </a:schemeClr>
+          </a:lnRef>
+          <a:fillRef idx="1">
+            <a:schemeClr val="accent1"/>
+          </a:fillRef>
+          <a:effectRef idx="0">
+            <a:schemeClr val="accent1"/>
+          </a:effectRef>
+          <a:fontRef idx="minor">
+            <a:schemeClr val="lt1"/>
+          </a:fontRef>
+        </p:style>
+        <p:txBody>
+          <a:bodyPr rtlCol="0" anchor="ctr"/>
+          <a:lstStyle/>
+          <a:p>
+            <a:pPr algn="ctr"/>
+            <a:r>
+              <a:rPr lang="en-US" dirty="0" smtClean="0"/>
+              <a:t>Segment, match, and separate cores </a:t>
+            </a:r>
+            <a:endParaRPr lang="en-US" dirty="0"/>
+          </a:p>
+        </p:txBody>
+      </p:sp>
+      <p:cxnSp>
+        <p:nvCxnSpPr>
+          <p:cNvPr id="11" name="Straight Arrow Connector 10"/>
+          <p:cNvCxnSpPr>
+            <a:stCxn id="7" idx="3"/>
+            <a:endCxn id="9" idx="1"/>
+          </p:cNvCxnSpPr>
+          <p:nvPr/>
+        </p:nvCxnSpPr>
+        <p:spPr>
+          <a:xfrm>
+            <a:off x="3233738" y="1100138"/>
+            <a:ext cx="433388" cy="0"/>
+          </a:xfrm>
+          <a:prstGeom prst="straightConnector1">
+            <a:avLst/>
+          </a:prstGeom>
+          <a:ln>
+            <a:tailEnd type="triangle"/>
+          </a:ln>
+        </p:spPr>
+        <p:style>
+          <a:lnRef idx="1">
+            <a:schemeClr val="accent1"/>
+          </a:lnRef>
+          <a:fillRef idx="0">
+            <a:schemeClr val="accent1"/>
+          </a:fillRef>
+          <a:effectRef idx="0">
+            <a:schemeClr val="accent1"/>
+          </a:effectRef>
+          <a:fontRef idx="minor">
+            <a:schemeClr val="tx1"/>
+          </a:fontRef>
+        </p:style>
+      </p:cxnSp>
+      <p:sp>
+        <p:nvSpPr>
+          <p:cNvPr id="12" name="Rectangle 11"/>
+          <p:cNvSpPr/>
+          <p:nvPr/>
+        </p:nvSpPr>
+        <p:spPr>
+          <a:xfrm>
+            <a:off x="5414964" y="500063"/>
+            <a:ext cx="1314450" cy="1200150"/>
+          </a:xfrm>
+          <a:prstGeom prst="rect">
+            <a:avLst/>
+          </a:prstGeom>
+          <a:solidFill>
+            <a:schemeClr val="accent1"/>
+          </a:solidFill>
+        </p:spPr>
+        <p:style>
+          <a:lnRef idx="2">
+            <a:schemeClr val="accent1">
+              <a:shade val="50000"/>
+            </a:schemeClr>
+          </a:lnRef>
+          <a:fillRef idx="1">
+            <a:schemeClr val="accent1"/>
+          </a:fillRef>
+          <a:effectRef idx="0">
+            <a:schemeClr val="accent1"/>
+          </a:effectRef>
+          <a:fontRef idx="minor">
+            <a:schemeClr val="lt1"/>
+          </a:fontRef>
+        </p:style>
+        <p:txBody>
+          <a:bodyPr rtlCol="0" anchor="ctr"/>
+          <a:lstStyle/>
+          <a:p>
+            <a:pPr algn="ctr"/>
+            <a:r>
+              <a:rPr lang="en-US" dirty="0" smtClean="0"/>
+              <a:t>Register cores</a:t>
+            </a:r>
+            <a:endParaRPr lang="en-US" dirty="0"/>
+          </a:p>
+        </p:txBody>
+      </p:sp>
+      <p:cxnSp>
+        <p:nvCxnSpPr>
+          <p:cNvPr id="14" name="Straight Arrow Connector 13"/>
+          <p:cNvCxnSpPr>
+            <a:stCxn id="9" idx="3"/>
+            <a:endCxn id="12" idx="1"/>
+          </p:cNvCxnSpPr>
+          <p:nvPr/>
+        </p:nvCxnSpPr>
+        <p:spPr>
+          <a:xfrm>
+            <a:off x="4981576" y="1100138"/>
+            <a:ext cx="433388" cy="0"/>
+          </a:xfrm>
+          <a:prstGeom prst="straightConnector1">
+            <a:avLst/>
+          </a:prstGeom>
+          <a:ln>
+            <a:tailEnd type="triangle"/>
+          </a:ln>
+        </p:spPr>
+        <p:style>
+          <a:lnRef idx="1">
+            <a:schemeClr val="accent1"/>
+          </a:lnRef>
+          <a:fillRef idx="0">
+            <a:schemeClr val="accent1"/>
+          </a:fillRef>
+          <a:effectRef idx="0">
+            <a:schemeClr val="accent1"/>
+          </a:effectRef>
+          <a:fontRef idx="minor">
+            <a:schemeClr val="tx1"/>
+          </a:fontRef>
+        </p:style>
+      </p:cxnSp>
+      <p:sp>
+        <p:nvSpPr>
+          <p:cNvPr id="15" name="Rectangle 14"/>
+          <p:cNvSpPr/>
+          <p:nvPr/>
+        </p:nvSpPr>
+        <p:spPr>
+          <a:xfrm>
+            <a:off x="7162802" y="500063"/>
+            <a:ext cx="1314450" cy="1200150"/>
+          </a:xfrm>
+          <a:prstGeom prst="rect">
+            <a:avLst/>
+          </a:prstGeom>
+          <a:solidFill>
+            <a:schemeClr val="accent1"/>
+          </a:solidFill>
+        </p:spPr>
+        <p:style>
+          <a:lnRef idx="2">
+            <a:schemeClr val="accent1">
+              <a:shade val="50000"/>
+            </a:schemeClr>
+          </a:lnRef>
+          <a:fillRef idx="1">
+            <a:schemeClr val="accent1"/>
+          </a:fillRef>
+          <a:effectRef idx="0">
+            <a:schemeClr val="accent1"/>
+          </a:effectRef>
+          <a:fontRef idx="minor">
+            <a:schemeClr val="lt1"/>
+          </a:fontRef>
+        </p:style>
+        <p:txBody>
+          <a:bodyPr rtlCol="0" anchor="ctr"/>
+          <a:lstStyle/>
+          <a:p>
+            <a:pPr algn="ctr"/>
+            <a:r>
+              <a:rPr lang="en-US" dirty="0" smtClean="0"/>
+              <a:t>Evaluate registration</a:t>
+            </a:r>
+            <a:endParaRPr lang="en-US" dirty="0"/>
+          </a:p>
+        </p:txBody>
+      </p:sp>
+      <p:cxnSp>
+        <p:nvCxnSpPr>
+          <p:cNvPr id="25" name="Straight Arrow Connector 24"/>
+          <p:cNvCxnSpPr>
+            <a:stCxn id="12" idx="3"/>
+            <a:endCxn id="15" idx="1"/>
+          </p:cNvCxnSpPr>
+          <p:nvPr/>
+        </p:nvCxnSpPr>
+        <p:spPr>
+          <a:xfrm>
+            <a:off x="6729414" y="1100138"/>
+            <a:ext cx="433388" cy="0"/>
+          </a:xfrm>
+          <a:prstGeom prst="straightConnector1">
+            <a:avLst/>
+          </a:prstGeom>
+          <a:ln>
+            <a:tailEnd type="triangle"/>
+          </a:ln>
+        </p:spPr>
+        <p:style>
+          <a:lnRef idx="1">
+            <a:schemeClr val="accent1"/>
+          </a:lnRef>
+          <a:fillRef idx="0">
+            <a:schemeClr val="accent1"/>
+          </a:fillRef>
+          <a:effectRef idx="0">
+            <a:schemeClr val="accent1"/>
+          </a:effectRef>
+          <a:fontRef idx="minor">
+            <a:schemeClr val="tx1"/>
+          </a:fontRef>
+        </p:style>
+      </p:cxnSp>
+      <p:sp>
+        <p:nvSpPr>
+          <p:cNvPr id="26" name="Rectangle 25"/>
+          <p:cNvSpPr/>
+          <p:nvPr/>
+        </p:nvSpPr>
+        <p:spPr>
+          <a:xfrm>
+            <a:off x="8910640" y="500063"/>
+            <a:ext cx="1314450" cy="1200150"/>
+          </a:xfrm>
+          <a:prstGeom prst="rect">
+            <a:avLst/>
+          </a:prstGeom>
+          <a:solidFill>
+            <a:schemeClr val="accent1"/>
+          </a:solidFill>
+        </p:spPr>
+        <p:style>
+          <a:lnRef idx="2">
+            <a:schemeClr val="accent1">
+              <a:shade val="50000"/>
+            </a:schemeClr>
+          </a:lnRef>
+          <a:fillRef idx="1">
+            <a:schemeClr val="accent1"/>
+          </a:fillRef>
+          <a:effectRef idx="0">
+            <a:schemeClr val="accent1"/>
+          </a:effectRef>
+          <a:fontRef idx="minor">
+            <a:schemeClr val="lt1"/>
+          </a:fontRef>
+        </p:style>
+        <p:txBody>
+          <a:bodyPr rtlCol="0" anchor="ctr"/>
+          <a:lstStyle/>
+          <a:p>
+            <a:pPr algn="ctr"/>
+            <a:r>
+              <a:rPr lang="en-US" dirty="0" smtClean="0"/>
+              <a:t>Generate QC file </a:t>
+            </a:r>
+            <a:endParaRPr lang="en-US" dirty="0"/>
+          </a:p>
+        </p:txBody>
+      </p:sp>
+      <p:sp>
+        <p:nvSpPr>
+          <p:cNvPr id="27" name="Rectangle 26"/>
+          <p:cNvSpPr/>
+          <p:nvPr/>
+        </p:nvSpPr>
+        <p:spPr>
+          <a:xfrm>
+            <a:off x="10658478" y="500063"/>
+            <a:ext cx="1314450" cy="1200150"/>
+          </a:xfrm>
+          <a:prstGeom prst="rect">
+            <a:avLst/>
+          </a:prstGeom>
+          <a:solidFill>
+            <a:srgbClr val="FFC000"/>
+          </a:solidFill>
+        </p:spPr>
+        <p:style>
+          <a:lnRef idx="2">
+            <a:schemeClr val="accent1">
+              <a:shade val="50000"/>
+            </a:schemeClr>
+          </a:lnRef>
+          <a:fillRef idx="1">
+            <a:schemeClr val="accent1"/>
+          </a:fillRef>
+          <a:effectRef idx="0">
+            <a:schemeClr val="accent1"/>
+          </a:effectRef>
+          <a:fontRef idx="minor">
+            <a:schemeClr val="lt1"/>
+          </a:fontRef>
+        </p:style>
+        <p:txBody>
+          <a:bodyPr rtlCol="0" anchor="ctr"/>
+          <a:lstStyle/>
+          <a:p>
+            <a:pPr algn="ctr"/>
+            <a:r>
+              <a:rPr lang="en-US" dirty="0" smtClean="0"/>
+              <a:t>Re-stitch images</a:t>
+            </a:r>
+            <a:endParaRPr lang="en-US" dirty="0"/>
+          </a:p>
+        </p:txBody>
+      </p:sp>
+      <p:cxnSp>
+        <p:nvCxnSpPr>
+          <p:cNvPr id="29" name="Straight Arrow Connector 28"/>
+          <p:cNvCxnSpPr>
+            <a:stCxn id="15" idx="3"/>
+            <a:endCxn id="26" idx="1"/>
+          </p:cNvCxnSpPr>
+          <p:nvPr/>
+        </p:nvCxnSpPr>
+        <p:spPr>
+          <a:xfrm>
+            <a:off x="8477252" y="1100138"/>
+            <a:ext cx="433388" cy="0"/>
+          </a:xfrm>
+          <a:prstGeom prst="straightConnector1">
+            <a:avLst/>
+          </a:prstGeom>
+          <a:ln>
+            <a:tailEnd type="triangle"/>
+          </a:ln>
+        </p:spPr>
+        <p:style>
+          <a:lnRef idx="1">
+            <a:schemeClr val="accent1"/>
+          </a:lnRef>
+          <a:fillRef idx="0">
+            <a:schemeClr val="accent1"/>
+          </a:fillRef>
+          <a:effectRef idx="0">
+            <a:schemeClr val="accent1"/>
+          </a:effectRef>
+          <a:fontRef idx="minor">
+            <a:schemeClr val="tx1"/>
+          </a:fontRef>
+        </p:style>
+      </p:cxnSp>
+      <p:cxnSp>
+        <p:nvCxnSpPr>
+          <p:cNvPr id="31" name="Straight Arrow Connector 30"/>
+          <p:cNvCxnSpPr>
+            <a:stCxn id="26" idx="3"/>
+            <a:endCxn id="27" idx="1"/>
+          </p:cNvCxnSpPr>
+          <p:nvPr/>
+        </p:nvCxnSpPr>
+        <p:spPr>
+          <a:xfrm>
+            <a:off x="10225090" y="1100138"/>
+            <a:ext cx="433388" cy="0"/>
+          </a:xfrm>
+          <a:prstGeom prst="straightConnector1">
+            <a:avLst/>
+          </a:prstGeom>
+          <a:ln>
+            <a:tailEnd type="triangle"/>
+          </a:ln>
+        </p:spPr>
+        <p:style>
+          <a:lnRef idx="1">
+            <a:schemeClr val="accent1"/>
+          </a:lnRef>
+          <a:fillRef idx="0">
+            <a:schemeClr val="accent1"/>
+          </a:fillRef>
+          <a:effectRef idx="0">
+            <a:schemeClr val="accent1"/>
+          </a:effectRef>
+          <a:fontRef idx="minor">
+            <a:schemeClr val="tx1"/>
+          </a:fontRef>
+        </p:style>
+      </p:cxnSp>
+      <p:sp>
+        <p:nvSpPr>
+          <p:cNvPr id="3" name="Rectangle 2"/>
+          <p:cNvSpPr/>
+          <p:nvPr/>
+        </p:nvSpPr>
+        <p:spPr>
+          <a:xfrm>
+            <a:off x="619126" y="2639616"/>
+            <a:ext cx="6096000" cy="523220"/>
+          </a:xfrm>
+          <a:prstGeom prst="rect">
+            <a:avLst/>
+          </a:prstGeom>
+        </p:spPr>
+        <p:txBody>
+          <a:bodyPr>
+            <a:spAutoFit/>
+          </a:bodyPr>
+          <a:lstStyle/>
+          <a:p>
+            <a:r>
+              <a:rPr lang="en-US" sz="2800" dirty="0" smtClean="0"/>
+              <a:t>Results</a:t>
+            </a:r>
+            <a:endParaRPr lang="en-US" dirty="0"/>
           </a:p>
         </p:txBody>
       </p:sp>
     </p:spTree>
     <p:extLst>
       <p:ext uri="{BB962C8B-B14F-4D97-AF65-F5344CB8AC3E}">
-        <p14:creationId xmlns:p14="http://schemas.microsoft.com/office/powerpoint/2010/main" val="3278723901"/>
+        <p14:creationId xmlns:p14="http://schemas.microsoft.com/office/powerpoint/2010/main" val="25238824"/>
       </p:ext>
     </p:extLst>
   </p:cSld>
@@ -12375,14 +13058,12 @@
       <p:cxnSp>
         <p:nvCxnSpPr>
           <p:cNvPr id="6" name="Straight Arrow Connector 5"/>
-          <p:cNvCxnSpPr>
-            <a:stCxn id="4" idx="3"/>
-          </p:cNvCxnSpPr>
+          <p:cNvCxnSpPr/>
           <p:nvPr/>
         </p:nvCxnSpPr>
         <p:spPr>
           <a:xfrm>
-            <a:off x="3233738" y="1120766"/>
+            <a:off x="3233738" y="1149341"/>
             <a:ext cx="433388" cy="0"/>
           </a:xfrm>
           <a:prstGeom prst="straightConnector1">
@@ -12422,7 +13103,7 @@
             <a:avLst/>
           </a:prstGeom>
           <a:solidFill>
-            <a:srgbClr val="FFC000"/>
+            <a:schemeClr val="accent1"/>
           </a:solidFill>
         </p:spPr>
         <p:style>
@@ -12861,313 +13542,6 @@
           </a:fontRef>
         </p:style>
       </p:cxnSp>
-      <p:pic>
-        <p:nvPicPr>
-          <p:cNvPr id="32" name="Picture 31"/>
-          <p:cNvPicPr>
-            <a:picLocks noChangeAspect="1"/>
-          </p:cNvPicPr>
-          <p:nvPr/>
-        </p:nvPicPr>
-        <p:blipFill>
-          <a:blip r:embed="rId2"/>
-          <a:stretch>
-            <a:fillRect/>
-          </a:stretch>
-        </p:blipFill>
-        <p:spPr>
-          <a:xfrm>
-            <a:off x="8191500" y="4492496"/>
-            <a:ext cx="3267075" cy="2238375"/>
-          </a:xfrm>
-          <a:prstGeom prst="rect">
-            <a:avLst/>
-          </a:prstGeom>
-        </p:spPr>
-      </p:pic>
-      <p:sp>
-        <p:nvSpPr>
-          <p:cNvPr id="33" name="Rectangle 32"/>
-          <p:cNvSpPr/>
-          <p:nvPr/>
-        </p:nvSpPr>
-        <p:spPr>
-          <a:xfrm>
-            <a:off x="633414" y="2606665"/>
-            <a:ext cx="6096000" cy="4124206"/>
-          </a:xfrm>
-          <a:prstGeom prst="rect">
-            <a:avLst/>
-          </a:prstGeom>
-        </p:spPr>
-        <p:txBody>
-          <a:bodyPr>
-            <a:spAutoFit/>
-          </a:bodyPr>
-          <a:lstStyle/>
-          <a:p>
-            <a:r>
-              <a:rPr lang="en-US" sz="2800" dirty="0" smtClean="0"/>
-              <a:t>Usage + Location</a:t>
-            </a:r>
-          </a:p>
-          <a:p>
-            <a:endParaRPr lang="en-US" dirty="0"/>
-          </a:p>
-          <a:p>
-            <a:r>
-              <a:rPr lang="en-US" dirty="0" smtClean="0"/>
-              <a:t>(</a:t>
-            </a:r>
-            <a:r>
-              <a:rPr lang="en-US" dirty="0" err="1" smtClean="0"/>
-              <a:t>cycIF_reg</a:t>
-            </a:r>
-            <a:r>
-              <a:rPr lang="en-US" dirty="0" smtClean="0"/>
-              <a:t>) teddy@RWS01360:/</a:t>
-            </a:r>
-            <a:r>
-              <a:rPr lang="en-US" dirty="0" err="1" smtClean="0"/>
-              <a:t>mnt</a:t>
-            </a:r>
-            <a:r>
-              <a:rPr lang="en-US" dirty="0" smtClean="0"/>
-              <a:t>/c/Users/Public/</a:t>
-            </a:r>
-            <a:r>
-              <a:rPr lang="en-US" dirty="0" err="1" smtClean="0"/>
-              <a:t>cyclicIF_processing</a:t>
-            </a:r>
-            <a:r>
-              <a:rPr lang="en-US" dirty="0" smtClean="0"/>
-              <a:t>/</a:t>
-            </a:r>
-            <a:r>
-              <a:rPr lang="en-US" dirty="0" err="1" smtClean="0"/>
-              <a:t>cyclicIF_registration</a:t>
-            </a:r>
-            <a:r>
-              <a:rPr lang="en-US" dirty="0" smtClean="0"/>
-              <a:t>/workflow/scripts$ python dedust_dapi_images.py --help</a:t>
-            </a:r>
-          </a:p>
-          <a:p>
-            <a:r>
-              <a:rPr lang="en-US" dirty="0" smtClean="0"/>
-              <a:t>usage: dedust_dapi_images.py [-h] [--input in] [--output out]</a:t>
-            </a:r>
-          </a:p>
-          <a:p>
-            <a:endParaRPr lang="en-US" dirty="0" smtClean="0"/>
-          </a:p>
-          <a:p>
-            <a:r>
-              <a:rPr lang="en-US" dirty="0" err="1" smtClean="0"/>
-              <a:t>CyclicIF</a:t>
-            </a:r>
-            <a:r>
-              <a:rPr lang="en-US" dirty="0" smtClean="0"/>
-              <a:t> registration of a full slide</a:t>
-            </a:r>
-          </a:p>
-          <a:p>
-            <a:endParaRPr lang="en-US" dirty="0" smtClean="0"/>
-          </a:p>
-          <a:p>
-            <a:r>
-              <a:rPr lang="en-US" dirty="0" smtClean="0"/>
-              <a:t>optional arguments:</a:t>
-            </a:r>
-          </a:p>
-          <a:p>
-            <a:r>
-              <a:rPr lang="en-US" dirty="0" smtClean="0"/>
-              <a:t>  -h, --help    show this help message and exit</a:t>
-            </a:r>
-          </a:p>
-          <a:p>
-            <a:r>
-              <a:rPr lang="en-US" dirty="0" smtClean="0"/>
-              <a:t>  --input in    directory of input files (.</a:t>
-            </a:r>
-            <a:r>
-              <a:rPr lang="en-US" dirty="0" err="1" smtClean="0"/>
-              <a:t>tif</a:t>
-            </a:r>
-            <a:r>
-              <a:rPr lang="en-US" dirty="0" smtClean="0"/>
-              <a:t> slide scenes)</a:t>
-            </a:r>
-          </a:p>
-          <a:p>
-            <a:r>
-              <a:rPr lang="en-US" dirty="0" smtClean="0"/>
-              <a:t>  --output out  directory of output files (registered cores)</a:t>
-            </a:r>
-            <a:endParaRPr lang="en-US" dirty="0"/>
-          </a:p>
-        </p:txBody>
-      </p:sp>
-      <p:cxnSp>
-        <p:nvCxnSpPr>
-          <p:cNvPr id="35" name="Straight Arrow Connector 34"/>
-          <p:cNvCxnSpPr/>
-          <p:nvPr/>
-        </p:nvCxnSpPr>
-        <p:spPr>
-          <a:xfrm>
-            <a:off x="9329738" y="5386388"/>
-            <a:ext cx="785812" cy="928687"/>
-          </a:xfrm>
-          <a:prstGeom prst="straightConnector1">
-            <a:avLst/>
-          </a:prstGeom>
-          <a:ln>
-            <a:solidFill>
-              <a:srgbClr val="FF0000"/>
-            </a:solidFill>
-            <a:tailEnd type="triangle"/>
-          </a:ln>
-        </p:spPr>
-        <p:style>
-          <a:lnRef idx="1">
-            <a:schemeClr val="accent1"/>
-          </a:lnRef>
-          <a:fillRef idx="0">
-            <a:schemeClr val="accent1"/>
-          </a:fillRef>
-          <a:effectRef idx="0">
-            <a:schemeClr val="accent1"/>
-          </a:effectRef>
-          <a:fontRef idx="minor">
-            <a:schemeClr val="tx1"/>
-          </a:fontRef>
-        </p:style>
-      </p:cxnSp>
-      <p:cxnSp>
-        <p:nvCxnSpPr>
-          <p:cNvPr id="36" name="Straight Arrow Connector 35"/>
-          <p:cNvCxnSpPr/>
-          <p:nvPr/>
-        </p:nvCxnSpPr>
-        <p:spPr>
-          <a:xfrm>
-            <a:off x="10125074" y="5336381"/>
-            <a:ext cx="785812" cy="928687"/>
-          </a:xfrm>
-          <a:prstGeom prst="straightConnector1">
-            <a:avLst/>
-          </a:prstGeom>
-          <a:ln>
-            <a:solidFill>
-              <a:srgbClr val="FF0000"/>
-            </a:solidFill>
-            <a:tailEnd type="triangle"/>
-          </a:ln>
-        </p:spPr>
-        <p:style>
-          <a:lnRef idx="1">
-            <a:schemeClr val="accent1"/>
-          </a:lnRef>
-          <a:fillRef idx="0">
-            <a:schemeClr val="accent1"/>
-          </a:fillRef>
-          <a:effectRef idx="0">
-            <a:schemeClr val="accent1"/>
-          </a:effectRef>
-          <a:fontRef idx="minor">
-            <a:schemeClr val="tx1"/>
-          </a:fontRef>
-        </p:style>
-      </p:cxnSp>
-      <p:sp>
-        <p:nvSpPr>
-          <p:cNvPr id="37" name="TextBox 36"/>
-          <p:cNvSpPr txBox="1"/>
-          <p:nvPr/>
-        </p:nvSpPr>
-        <p:spPr>
-          <a:xfrm>
-            <a:off x="8825315" y="4360441"/>
-            <a:ext cx="2085571" cy="369332"/>
-          </a:xfrm>
-          <a:prstGeom prst="rect">
-            <a:avLst/>
-          </a:prstGeom>
-          <a:solidFill>
-            <a:schemeClr val="bg1"/>
-          </a:solidFill>
-        </p:spPr>
-        <p:txBody>
-          <a:bodyPr wrap="none" rtlCol="0">
-            <a:spAutoFit/>
-          </a:bodyPr>
-          <a:lstStyle/>
-          <a:p>
-            <a:r>
-              <a:rPr lang="en-US" dirty="0" err="1" smtClean="0"/>
-              <a:t>Dedusted</a:t>
-            </a:r>
-            <a:r>
-              <a:rPr lang="en-US" dirty="0" smtClean="0"/>
-              <a:t> - </a:t>
-            </a:r>
-            <a:r>
-              <a:rPr lang="en-US" dirty="0" err="1" smtClean="0"/>
-              <a:t>origional</a:t>
-            </a:r>
-            <a:endParaRPr lang="en-US" dirty="0"/>
-          </a:p>
-        </p:txBody>
-      </p:sp>
-      <p:sp>
-        <p:nvSpPr>
-          <p:cNvPr id="38" name="TextBox 37"/>
-          <p:cNvSpPr txBox="1"/>
-          <p:nvPr/>
-        </p:nvSpPr>
-        <p:spPr>
-          <a:xfrm>
-            <a:off x="7672388" y="2386013"/>
-            <a:ext cx="4426212" cy="1477328"/>
-          </a:xfrm>
-          <a:prstGeom prst="rect">
-            <a:avLst/>
-          </a:prstGeom>
-          <a:noFill/>
-        </p:spPr>
-        <p:txBody>
-          <a:bodyPr wrap="none" rtlCol="0">
-            <a:spAutoFit/>
-          </a:bodyPr>
-          <a:lstStyle/>
-          <a:p>
-            <a:r>
-              <a:rPr lang="en-US" dirty="0" smtClean="0"/>
-              <a:t>Methods Overview: </a:t>
-            </a:r>
-          </a:p>
-          <a:p>
-            <a:endParaRPr lang="en-US" dirty="0" smtClean="0"/>
-          </a:p>
-          <a:p>
-            <a:r>
-              <a:rPr lang="en-US" dirty="0" smtClean="0"/>
-              <a:t>1. Clip upper values – threshold of 150 [/255]</a:t>
-            </a:r>
-          </a:p>
-          <a:p>
-            <a:r>
-              <a:rPr lang="en-US" dirty="0" smtClean="0"/>
-              <a:t>Rescale intensities </a:t>
-            </a:r>
-          </a:p>
-          <a:p>
-            <a:endParaRPr lang="en-US" dirty="0"/>
-          </a:p>
-        </p:txBody>
-      </p:sp>
     </p:spTree>
     <p:extLst>
       <p:ext uri="{BB962C8B-B14F-4D97-AF65-F5344CB8AC3E}">
@@ -13200,177 +13574,7 @@
       </p:grpSpPr>
       <p:sp>
         <p:nvSpPr>
-          <p:cNvPr id="2" name="TextBox 1"/>
-          <p:cNvSpPr txBox="1"/>
-          <p:nvPr/>
-        </p:nvSpPr>
-        <p:spPr>
-          <a:xfrm>
-            <a:off x="476133" y="2414588"/>
-            <a:ext cx="10839570" cy="3170099"/>
-          </a:xfrm>
-          <a:prstGeom prst="rect">
-            <a:avLst/>
-          </a:prstGeom>
-          <a:noFill/>
-        </p:spPr>
-        <p:txBody>
-          <a:bodyPr wrap="none" rtlCol="0">
-            <a:spAutoFit/>
-          </a:bodyPr>
-          <a:lstStyle/>
-          <a:p>
-            <a:r>
-              <a:rPr lang="en-US" sz="3200" dirty="0" smtClean="0"/>
-              <a:t>Usage + location</a:t>
-            </a:r>
-            <a:endParaRPr lang="en-US" sz="2000" dirty="0" smtClean="0"/>
-          </a:p>
-          <a:p>
-            <a:endParaRPr lang="en-US" sz="1400" dirty="0"/>
-          </a:p>
-          <a:p>
-            <a:r>
-              <a:rPr lang="en-US" sz="1400" dirty="0" smtClean="0"/>
-              <a:t>(</a:t>
-            </a:r>
-            <a:r>
-              <a:rPr lang="en-US" sz="1400" dirty="0" err="1" smtClean="0"/>
-              <a:t>cycIF_reg</a:t>
-            </a:r>
-            <a:r>
-              <a:rPr lang="en-US" sz="1400" dirty="0" smtClean="0"/>
-              <a:t>) teddy@RWS01360:/</a:t>
-            </a:r>
-            <a:r>
-              <a:rPr lang="en-US" sz="1400" dirty="0" err="1" smtClean="0"/>
-              <a:t>mnt</a:t>
-            </a:r>
-            <a:r>
-              <a:rPr lang="en-US" sz="1400" dirty="0" smtClean="0"/>
-              <a:t>/c/Users/Public/</a:t>
-            </a:r>
-            <a:r>
-              <a:rPr lang="en-US" sz="1400" dirty="0" err="1" smtClean="0"/>
-              <a:t>cyclicIF_processing</a:t>
-            </a:r>
-            <a:r>
-              <a:rPr lang="en-US" sz="1400" dirty="0" smtClean="0"/>
-              <a:t>/</a:t>
-            </a:r>
-            <a:r>
-              <a:rPr lang="en-US" sz="1400" dirty="0" err="1" smtClean="0"/>
-              <a:t>cyclicIF_registration</a:t>
-            </a:r>
-            <a:r>
-              <a:rPr lang="en-US" sz="1400" dirty="0" smtClean="0"/>
-              <a:t>/workflow/scripts$ python slide_registration.py --help</a:t>
-            </a:r>
-          </a:p>
-          <a:p>
-            <a:r>
-              <a:rPr lang="en-US" sz="1400" dirty="0" smtClean="0"/>
-              <a:t>usage: slide_registration.py [-h] [--input in] [--output out] [--slide slide] [--scene scene]</a:t>
-            </a:r>
-          </a:p>
-          <a:p>
-            <a:endParaRPr lang="en-US" sz="1400" dirty="0" smtClean="0"/>
-          </a:p>
-          <a:p>
-            <a:r>
-              <a:rPr lang="en-US" sz="1400" dirty="0" err="1" smtClean="0"/>
-              <a:t>CyclicIF</a:t>
-            </a:r>
-            <a:r>
-              <a:rPr lang="en-US" sz="1400" dirty="0" smtClean="0"/>
-              <a:t> registration of a full slide</a:t>
-            </a:r>
-          </a:p>
-          <a:p>
-            <a:endParaRPr lang="en-US" sz="1400" dirty="0" smtClean="0"/>
-          </a:p>
-          <a:p>
-            <a:r>
-              <a:rPr lang="en-US" sz="1400" dirty="0" smtClean="0"/>
-              <a:t>optional arguments:</a:t>
-            </a:r>
-          </a:p>
-          <a:p>
-            <a:r>
-              <a:rPr lang="en-US" sz="1400" dirty="0" smtClean="0"/>
-              <a:t>  -h, --help     show this help message and exit</a:t>
-            </a:r>
-          </a:p>
-          <a:p>
-            <a:r>
-              <a:rPr lang="en-US" sz="1400" dirty="0" smtClean="0"/>
-              <a:t>  --input in     directory of input files (.</a:t>
-            </a:r>
-            <a:r>
-              <a:rPr lang="en-US" sz="1400" dirty="0" err="1" smtClean="0"/>
-              <a:t>tif</a:t>
-            </a:r>
-            <a:r>
-              <a:rPr lang="en-US" sz="1400" dirty="0" smtClean="0"/>
-              <a:t> slide scenes)</a:t>
-            </a:r>
-          </a:p>
-          <a:p>
-            <a:r>
-              <a:rPr lang="en-US" sz="1400" dirty="0" smtClean="0"/>
-              <a:t>  --output out   directory of output files (registered cores)</a:t>
-            </a:r>
-          </a:p>
-          <a:p>
-            <a:r>
-              <a:rPr lang="en-US" sz="1400" dirty="0" smtClean="0"/>
-              <a:t>  --slide </a:t>
-            </a:r>
-            <a:r>
-              <a:rPr lang="en-US" sz="1400" dirty="0" err="1" smtClean="0"/>
-              <a:t>slide</a:t>
-            </a:r>
-            <a:r>
-              <a:rPr lang="en-US" sz="1400" dirty="0" smtClean="0"/>
-              <a:t>  </a:t>
-            </a:r>
-            <a:r>
-              <a:rPr lang="en-US" sz="1400" dirty="0" err="1" smtClean="0"/>
-              <a:t>slide</a:t>
-            </a:r>
-            <a:r>
-              <a:rPr lang="en-US" sz="1400" dirty="0" smtClean="0"/>
-              <a:t> name (identifier)</a:t>
-            </a:r>
-          </a:p>
-          <a:p>
-            <a:r>
-              <a:rPr lang="en-US" sz="1400" dirty="0" smtClean="0"/>
-              <a:t>  --scene </a:t>
-            </a:r>
-            <a:r>
-              <a:rPr lang="en-US" sz="1400" dirty="0" err="1" smtClean="0"/>
-              <a:t>scene</a:t>
-            </a:r>
-            <a:r>
-              <a:rPr lang="en-US" sz="1400" dirty="0" smtClean="0"/>
-              <a:t>  </a:t>
-            </a:r>
-            <a:r>
-              <a:rPr lang="en-US" sz="1400" dirty="0" err="1" smtClean="0"/>
-              <a:t>scene</a:t>
-            </a:r>
-            <a:r>
-              <a:rPr lang="en-US" sz="1400" dirty="0" smtClean="0"/>
-              <a:t> name (identifier)</a:t>
-            </a:r>
-            <a:endParaRPr lang="en-US" sz="1400" dirty="0"/>
-          </a:p>
-        </p:txBody>
-      </p:sp>
-      <p:sp>
-        <p:nvSpPr>
-          <p:cNvPr id="16" name="Rectangle 15"/>
+          <p:cNvPr id="4" name="Rectangle 3"/>
           <p:cNvSpPr/>
           <p:nvPr/>
         </p:nvSpPr>
@@ -13382,9 +13586,6 @@
           <a:prstGeom prst="rect">
             <a:avLst/>
           </a:prstGeom>
-          <a:solidFill>
-            <a:srgbClr val="FFC000"/>
-          </a:solidFill>
         </p:spPr>
         <p:style>
           <a:lnRef idx="2">
@@ -13425,9 +13626,9 @@
       </p:sp>
       <p:cxnSp>
         <p:nvCxnSpPr>
-          <p:cNvPr id="17" name="Straight Arrow Connector 16"/>
+          <p:cNvPr id="6" name="Straight Arrow Connector 5"/>
           <p:cNvCxnSpPr>
-            <a:stCxn id="16" idx="3"/>
+            <a:stCxn id="4" idx="3"/>
           </p:cNvCxnSpPr>
           <p:nvPr/>
         </p:nvCxnSpPr>
@@ -13460,7 +13661,7 @@
       </p:cxnSp>
       <p:sp>
         <p:nvSpPr>
-          <p:cNvPr id="18" name="Rectangle 17"/>
+          <p:cNvPr id="7" name="Rectangle 6"/>
           <p:cNvSpPr/>
           <p:nvPr/>
         </p:nvSpPr>
@@ -13473,7 +13674,7 @@
             <a:avLst/>
           </a:prstGeom>
           <a:solidFill>
-            <a:schemeClr val="accent1"/>
+            <a:srgbClr val="FFC000"/>
           </a:solidFill>
         </p:spPr>
         <p:style>
@@ -13515,7 +13716,7 @@
       </p:sp>
       <p:sp>
         <p:nvSpPr>
-          <p:cNvPr id="19" name="Rectangle 18"/>
+          <p:cNvPr id="9" name="Rectangle 8"/>
           <p:cNvSpPr/>
           <p:nvPr/>
         </p:nvSpPr>
@@ -13559,9 +13760,9 @@
       </p:sp>
       <p:cxnSp>
         <p:nvCxnSpPr>
-          <p:cNvPr id="20" name="Straight Arrow Connector 19"/>
+          <p:cNvPr id="11" name="Straight Arrow Connector 10"/>
           <p:cNvCxnSpPr>
-            <a:stCxn id="18" idx="3"/>
+            <a:stCxn id="7" idx="3"/>
           </p:cNvCxnSpPr>
           <p:nvPr/>
         </p:nvCxnSpPr>
@@ -13594,7 +13795,7 @@
       </p:cxnSp>
       <p:sp>
         <p:nvSpPr>
-          <p:cNvPr id="21" name="Rectangle 20"/>
+          <p:cNvPr id="12" name="Rectangle 11"/>
           <p:cNvSpPr/>
           <p:nvPr/>
         </p:nvSpPr>
@@ -13638,10 +13839,10 @@
       </p:sp>
       <p:cxnSp>
         <p:nvCxnSpPr>
-          <p:cNvPr id="22" name="Straight Arrow Connector 21"/>
+          <p:cNvPr id="14" name="Straight Arrow Connector 13"/>
           <p:cNvCxnSpPr>
-            <a:stCxn id="19" idx="3"/>
-            <a:endCxn id="21" idx="1"/>
+            <a:stCxn id="9" idx="3"/>
+            <a:endCxn id="12" idx="1"/>
           </p:cNvCxnSpPr>
           <p:nvPr/>
         </p:nvCxnSpPr>
@@ -13674,7 +13875,7 @@
       </p:cxnSp>
       <p:sp>
         <p:nvSpPr>
-          <p:cNvPr id="23" name="Rectangle 22"/>
+          <p:cNvPr id="15" name="Rectangle 14"/>
           <p:cNvSpPr/>
           <p:nvPr/>
         </p:nvSpPr>
@@ -13718,10 +13919,10 @@
       </p:sp>
       <p:cxnSp>
         <p:nvCxnSpPr>
-          <p:cNvPr id="24" name="Straight Arrow Connector 23"/>
+          <p:cNvPr id="25" name="Straight Arrow Connector 24"/>
           <p:cNvCxnSpPr>
-            <a:stCxn id="21" idx="3"/>
-            <a:endCxn id="23" idx="1"/>
+            <a:stCxn id="12" idx="3"/>
+            <a:endCxn id="15" idx="1"/>
           </p:cNvCxnSpPr>
           <p:nvPr/>
         </p:nvCxnSpPr>
@@ -13754,7 +13955,7 @@
       </p:cxnSp>
       <p:sp>
         <p:nvSpPr>
-          <p:cNvPr id="28" name="Rectangle 27"/>
+          <p:cNvPr id="26" name="Rectangle 25"/>
           <p:cNvSpPr/>
           <p:nvPr/>
         </p:nvSpPr>
@@ -13798,7 +13999,7 @@
       </p:sp>
       <p:sp>
         <p:nvSpPr>
-          <p:cNvPr id="30" name="Rectangle 29"/>
+          <p:cNvPr id="27" name="Rectangle 26"/>
           <p:cNvSpPr/>
           <p:nvPr/>
         </p:nvSpPr>
@@ -13842,10 +14043,10 @@
       </p:sp>
       <p:cxnSp>
         <p:nvCxnSpPr>
-          <p:cNvPr id="32" name="Straight Arrow Connector 31"/>
+          <p:cNvPr id="29" name="Straight Arrow Connector 28"/>
           <p:cNvCxnSpPr>
-            <a:stCxn id="23" idx="3"/>
-            <a:endCxn id="28" idx="1"/>
+            <a:stCxn id="15" idx="3"/>
+            <a:endCxn id="26" idx="1"/>
           </p:cNvCxnSpPr>
           <p:nvPr/>
         </p:nvCxnSpPr>
@@ -13878,10 +14079,10 @@
       </p:cxnSp>
       <p:cxnSp>
         <p:nvCxnSpPr>
-          <p:cNvPr id="33" name="Straight Arrow Connector 32"/>
+          <p:cNvPr id="31" name="Straight Arrow Connector 30"/>
           <p:cNvCxnSpPr>
-            <a:stCxn id="28" idx="3"/>
-            <a:endCxn id="30" idx="1"/>
+            <a:stCxn id="26" idx="3"/>
+            <a:endCxn id="27" idx="1"/>
           </p:cNvCxnSpPr>
           <p:nvPr/>
         </p:nvCxnSpPr>
@@ -13912,10 +14113,317 @@
           </a:fontRef>
         </p:style>
       </p:cxnSp>
+      <p:sp>
+        <p:nvSpPr>
+          <p:cNvPr id="33" name="Rectangle 32"/>
+          <p:cNvSpPr/>
+          <p:nvPr/>
+        </p:nvSpPr>
+        <p:spPr>
+          <a:xfrm>
+            <a:off x="633414" y="2606665"/>
+            <a:ext cx="6096000" cy="4124206"/>
+          </a:xfrm>
+          <a:prstGeom prst="rect">
+            <a:avLst/>
+          </a:prstGeom>
+        </p:spPr>
+        <p:txBody>
+          <a:bodyPr>
+            <a:spAutoFit/>
+          </a:bodyPr>
+          <a:lstStyle/>
+          <a:p>
+            <a:r>
+              <a:rPr lang="en-US" sz="2800" dirty="0" smtClean="0"/>
+              <a:t>Usage + Location</a:t>
+            </a:r>
+          </a:p>
+          <a:p>
+            <a:endParaRPr lang="en-US" dirty="0"/>
+          </a:p>
+          <a:p>
+            <a:r>
+              <a:rPr lang="en-US" dirty="0" smtClean="0"/>
+              <a:t>(</a:t>
+            </a:r>
+            <a:r>
+              <a:rPr lang="en-US" dirty="0" err="1" smtClean="0"/>
+              <a:t>cycIF_reg</a:t>
+            </a:r>
+            <a:r>
+              <a:rPr lang="en-US" dirty="0" smtClean="0"/>
+              <a:t>) teddy@RWS01360:/</a:t>
+            </a:r>
+            <a:r>
+              <a:rPr lang="en-US" dirty="0" err="1" smtClean="0"/>
+              <a:t>mnt</a:t>
+            </a:r>
+            <a:r>
+              <a:rPr lang="en-US" dirty="0" smtClean="0"/>
+              <a:t>/c/Users/Public/</a:t>
+            </a:r>
+            <a:r>
+              <a:rPr lang="en-US" dirty="0" err="1" smtClean="0"/>
+              <a:t>cyclicIF_processing</a:t>
+            </a:r>
+            <a:r>
+              <a:rPr lang="en-US" dirty="0" smtClean="0"/>
+              <a:t>/</a:t>
+            </a:r>
+            <a:r>
+              <a:rPr lang="en-US" dirty="0" err="1" smtClean="0"/>
+              <a:t>cyclicIF_registration</a:t>
+            </a:r>
+            <a:r>
+              <a:rPr lang="en-US" dirty="0" smtClean="0"/>
+              <a:t>/workflow/scripts$ python dedust_dapi_images.py --help</a:t>
+            </a:r>
+          </a:p>
+          <a:p>
+            <a:r>
+              <a:rPr lang="en-US" dirty="0" smtClean="0"/>
+              <a:t>usage: dedust_dapi_images.py [-h] [--input in] [--output out]</a:t>
+            </a:r>
+          </a:p>
+          <a:p>
+            <a:endParaRPr lang="en-US" dirty="0" smtClean="0"/>
+          </a:p>
+          <a:p>
+            <a:r>
+              <a:rPr lang="en-US" dirty="0" err="1" smtClean="0"/>
+              <a:t>CyclicIF</a:t>
+            </a:r>
+            <a:r>
+              <a:rPr lang="en-US" dirty="0" smtClean="0"/>
+              <a:t> registration of a full slide</a:t>
+            </a:r>
+          </a:p>
+          <a:p>
+            <a:endParaRPr lang="en-US" dirty="0" smtClean="0"/>
+          </a:p>
+          <a:p>
+            <a:r>
+              <a:rPr lang="en-US" dirty="0" smtClean="0"/>
+              <a:t>optional arguments:</a:t>
+            </a:r>
+          </a:p>
+          <a:p>
+            <a:r>
+              <a:rPr lang="en-US" dirty="0" smtClean="0"/>
+              <a:t>  -h, --help    show this help message and exit</a:t>
+            </a:r>
+          </a:p>
+          <a:p>
+            <a:r>
+              <a:rPr lang="en-US" dirty="0" smtClean="0"/>
+              <a:t>  --input in    directory of input files (.</a:t>
+            </a:r>
+            <a:r>
+              <a:rPr lang="en-US" dirty="0" err="1" smtClean="0"/>
+              <a:t>tif</a:t>
+            </a:r>
+            <a:r>
+              <a:rPr lang="en-US" dirty="0" smtClean="0"/>
+              <a:t> slide scenes)</a:t>
+            </a:r>
+          </a:p>
+          <a:p>
+            <a:r>
+              <a:rPr lang="en-US" dirty="0" smtClean="0"/>
+              <a:t>  --output out  directory of output files (registered cores)</a:t>
+            </a:r>
+            <a:endParaRPr lang="en-US" dirty="0"/>
+          </a:p>
+        </p:txBody>
+      </p:sp>
+      <p:cxnSp>
+        <p:nvCxnSpPr>
+          <p:cNvPr id="35" name="Straight Arrow Connector 34"/>
+          <p:cNvCxnSpPr/>
+          <p:nvPr/>
+        </p:nvCxnSpPr>
+        <p:spPr>
+          <a:xfrm>
+            <a:off x="9329738" y="5386388"/>
+            <a:ext cx="785812" cy="928687"/>
+          </a:xfrm>
+          <a:prstGeom prst="straightConnector1">
+            <a:avLst/>
+          </a:prstGeom>
+          <a:ln>
+            <a:solidFill>
+              <a:srgbClr val="FF0000"/>
+            </a:solidFill>
+            <a:tailEnd type="triangle"/>
+          </a:ln>
+        </p:spPr>
+        <p:style>
+          <a:lnRef idx="1">
+            <a:schemeClr val="accent1"/>
+          </a:lnRef>
+          <a:fillRef idx="0">
+            <a:schemeClr val="accent1"/>
+          </a:fillRef>
+          <a:effectRef idx="0">
+            <a:schemeClr val="accent1"/>
+          </a:effectRef>
+          <a:fontRef idx="minor">
+            <a:schemeClr val="tx1"/>
+          </a:fontRef>
+        </p:style>
+      </p:cxnSp>
+      <p:cxnSp>
+        <p:nvCxnSpPr>
+          <p:cNvPr id="36" name="Straight Arrow Connector 35"/>
+          <p:cNvCxnSpPr/>
+          <p:nvPr/>
+        </p:nvCxnSpPr>
+        <p:spPr>
+          <a:xfrm>
+            <a:off x="10125074" y="5336381"/>
+            <a:ext cx="785812" cy="928687"/>
+          </a:xfrm>
+          <a:prstGeom prst="straightConnector1">
+            <a:avLst/>
+          </a:prstGeom>
+          <a:ln>
+            <a:solidFill>
+              <a:srgbClr val="FF0000"/>
+            </a:solidFill>
+            <a:tailEnd type="triangle"/>
+          </a:ln>
+        </p:spPr>
+        <p:style>
+          <a:lnRef idx="1">
+            <a:schemeClr val="accent1"/>
+          </a:lnRef>
+          <a:fillRef idx="0">
+            <a:schemeClr val="accent1"/>
+          </a:fillRef>
+          <a:effectRef idx="0">
+            <a:schemeClr val="accent1"/>
+          </a:effectRef>
+          <a:fontRef idx="minor">
+            <a:schemeClr val="tx1"/>
+          </a:fontRef>
+        </p:style>
+      </p:cxnSp>
+      <p:sp>
+        <p:nvSpPr>
+          <p:cNvPr id="37" name="TextBox 36"/>
+          <p:cNvSpPr txBox="1"/>
+          <p:nvPr/>
+        </p:nvSpPr>
+        <p:spPr>
+          <a:xfrm>
+            <a:off x="8825315" y="4360441"/>
+            <a:ext cx="2085571" cy="369332"/>
+          </a:xfrm>
+          <a:prstGeom prst="rect">
+            <a:avLst/>
+          </a:prstGeom>
+          <a:solidFill>
+            <a:schemeClr val="bg1"/>
+          </a:solidFill>
+        </p:spPr>
+        <p:txBody>
+          <a:bodyPr wrap="none" rtlCol="0">
+            <a:spAutoFit/>
+          </a:bodyPr>
+          <a:lstStyle/>
+          <a:p>
+            <a:r>
+              <a:rPr lang="en-US" dirty="0" err="1" smtClean="0"/>
+              <a:t>Dedusted</a:t>
+            </a:r>
+            <a:r>
+              <a:rPr lang="en-US" dirty="0" smtClean="0"/>
+              <a:t> - </a:t>
+            </a:r>
+            <a:r>
+              <a:rPr lang="en-US" dirty="0" err="1" smtClean="0"/>
+              <a:t>origional</a:t>
+            </a:r>
+            <a:endParaRPr lang="en-US" dirty="0"/>
+          </a:p>
+        </p:txBody>
+      </p:sp>
+      <p:sp>
+        <p:nvSpPr>
+          <p:cNvPr id="38" name="TextBox 37"/>
+          <p:cNvSpPr txBox="1"/>
+          <p:nvPr/>
+        </p:nvSpPr>
+        <p:spPr>
+          <a:xfrm>
+            <a:off x="7672388" y="2386013"/>
+            <a:ext cx="4426212" cy="1477328"/>
+          </a:xfrm>
+          <a:prstGeom prst="rect">
+            <a:avLst/>
+          </a:prstGeom>
+          <a:noFill/>
+        </p:spPr>
+        <p:txBody>
+          <a:bodyPr wrap="none" rtlCol="0">
+            <a:spAutoFit/>
+          </a:bodyPr>
+          <a:lstStyle/>
+          <a:p>
+            <a:r>
+              <a:rPr lang="en-US" dirty="0" smtClean="0"/>
+              <a:t>Methods Overview: </a:t>
+            </a:r>
+          </a:p>
+          <a:p>
+            <a:endParaRPr lang="en-US" dirty="0" smtClean="0"/>
+          </a:p>
+          <a:p>
+            <a:r>
+              <a:rPr lang="en-US" dirty="0" smtClean="0"/>
+              <a:t>1. Clip upper values – threshold of 150 [/255]</a:t>
+            </a:r>
+          </a:p>
+          <a:p>
+            <a:r>
+              <a:rPr lang="en-US" dirty="0" smtClean="0"/>
+              <a:t>Rescale intensities </a:t>
+            </a:r>
+          </a:p>
+          <a:p>
+            <a:endParaRPr lang="en-US" dirty="0"/>
+          </a:p>
+        </p:txBody>
+      </p:sp>
+      <p:pic>
+        <p:nvPicPr>
+          <p:cNvPr id="32" name="Picture 31"/>
+          <p:cNvPicPr>
+            <a:picLocks noChangeAspect="1"/>
+          </p:cNvPicPr>
+          <p:nvPr/>
+        </p:nvPicPr>
+        <p:blipFill>
+          <a:blip r:embed="rId2"/>
+          <a:stretch>
+            <a:fillRect/>
+          </a:stretch>
+        </p:blipFill>
+        <p:spPr>
+          <a:xfrm>
+            <a:off x="8477252" y="4688274"/>
+            <a:ext cx="2981323" cy="2042597"/>
+          </a:xfrm>
+          <a:prstGeom prst="rect">
+            <a:avLst/>
+          </a:prstGeom>
+        </p:spPr>
+      </p:pic>
     </p:spTree>
     <p:extLst>
       <p:ext uri="{BB962C8B-B14F-4D97-AF65-F5344CB8AC3E}">
-        <p14:creationId xmlns:p14="http://schemas.microsoft.com/office/powerpoint/2010/main" val="2793673843"/>
+        <p14:creationId xmlns:p14="http://schemas.microsoft.com/office/powerpoint/2010/main" val="3440529576"/>
       </p:ext>
     </p:extLst>
   </p:cSld>
@@ -13951,140 +14459,7 @@
         <p:spPr>
           <a:xfrm>
             <a:off x="476133" y="2414588"/>
-            <a:ext cx="6253281" cy="2169825"/>
-          </a:xfrm>
-          <a:prstGeom prst="rect">
-            <a:avLst/>
-          </a:prstGeom>
-          <a:noFill/>
-        </p:spPr>
-        <p:txBody>
-          <a:bodyPr wrap="square" rtlCol="0">
-            <a:spAutoFit/>
-          </a:bodyPr>
-          <a:lstStyle/>
-          <a:p>
-            <a:r>
-              <a:rPr lang="en-US" sz="3200" dirty="0" smtClean="0"/>
-              <a:t>Methods Overview</a:t>
-            </a:r>
-          </a:p>
-          <a:p>
-            <a:endParaRPr lang="en-US" sz="1100" dirty="0" smtClean="0"/>
-          </a:p>
-          <a:p>
-            <a:r>
-              <a:rPr lang="en-US" sz="1600" dirty="0" smtClean="0"/>
-              <a:t>Assume rigid registration and only </a:t>
-            </a:r>
-            <a:r>
-              <a:rPr lang="en-US" sz="1600" dirty="0" err="1" smtClean="0"/>
-              <a:t>x,y</a:t>
-            </a:r>
-            <a:r>
-              <a:rPr lang="en-US" sz="1600" dirty="0" smtClean="0"/>
-              <a:t> translation (no rotation)</a:t>
-            </a:r>
-          </a:p>
-          <a:p>
-            <a:r>
-              <a:rPr lang="en-US" sz="1600" dirty="0" smtClean="0"/>
-              <a:t>Use cross-correlation to find best </a:t>
-            </a:r>
-            <a:r>
-              <a:rPr lang="en-US" sz="1600" dirty="0" err="1" smtClean="0"/>
-              <a:t>x,y</a:t>
-            </a:r>
-            <a:r>
-              <a:rPr lang="en-US" sz="1600" dirty="0" smtClean="0"/>
-              <a:t> shifts – this allows for global best fit</a:t>
-            </a:r>
-          </a:p>
-          <a:p>
-            <a:r>
-              <a:rPr lang="en-US" sz="1600" dirty="0" smtClean="0"/>
-              <a:t>Note: gradient descent optimizers are liable to </a:t>
-            </a:r>
-            <a:r>
-              <a:rPr lang="en-US" sz="1600" dirty="0" err="1" smtClean="0"/>
-              <a:t>mis</a:t>
-            </a:r>
-            <a:r>
-              <a:rPr lang="en-US" sz="1600" dirty="0" smtClean="0"/>
-              <a:t>-align columns as local </a:t>
-            </a:r>
-            <a:r>
-              <a:rPr lang="en-US" sz="1600" dirty="0" err="1" smtClean="0"/>
-              <a:t>minimas</a:t>
-            </a:r>
-            <a:endParaRPr lang="en-US" sz="1600" dirty="0" smtClean="0"/>
-          </a:p>
-          <a:p>
-            <a:endParaRPr lang="en-US" sz="1400" dirty="0"/>
-          </a:p>
-          <a:p>
-            <a:endParaRPr lang="en-US" sz="1400" dirty="0"/>
-          </a:p>
-        </p:txBody>
-      </p:sp>
-      <p:pic>
-        <p:nvPicPr>
-          <p:cNvPr id="5" name="Picture 4"/>
-          <p:cNvPicPr>
-            <a:picLocks noChangeAspect="1"/>
-          </p:cNvPicPr>
-          <p:nvPr/>
-        </p:nvPicPr>
-        <p:blipFill>
-          <a:blip r:embed="rId2"/>
-          <a:stretch>
-            <a:fillRect/>
-          </a:stretch>
-        </p:blipFill>
-        <p:spPr>
-          <a:xfrm>
-            <a:off x="200027" y="4171550"/>
-            <a:ext cx="6962775" cy="2405462"/>
-          </a:xfrm>
-          <a:prstGeom prst="rect">
-            <a:avLst/>
-          </a:prstGeom>
-        </p:spPr>
-      </p:pic>
-      <p:pic>
-        <p:nvPicPr>
-          <p:cNvPr id="8" name="Picture 7"/>
-          <p:cNvPicPr>
-            <a:picLocks noChangeAspect="1"/>
-          </p:cNvPicPr>
-          <p:nvPr/>
-        </p:nvPicPr>
-        <p:blipFill>
-          <a:blip r:embed="rId3"/>
-          <a:stretch>
-            <a:fillRect/>
-          </a:stretch>
-        </p:blipFill>
-        <p:spPr>
-          <a:xfrm>
-            <a:off x="7233130" y="2691703"/>
-            <a:ext cx="4739798" cy="2959693"/>
-          </a:xfrm>
-          <a:prstGeom prst="rect">
-            <a:avLst/>
-          </a:prstGeom>
-        </p:spPr>
-      </p:pic>
-      <p:sp>
-        <p:nvSpPr>
-          <p:cNvPr id="10" name="TextBox 9"/>
-          <p:cNvSpPr txBox="1"/>
-          <p:nvPr/>
-        </p:nvSpPr>
-        <p:spPr>
-          <a:xfrm>
-            <a:off x="7162802" y="2028825"/>
-            <a:ext cx="1416413" cy="369332"/>
+            <a:ext cx="10839570" cy="3170099"/>
           </a:xfrm>
           <a:prstGeom prst="rect">
             <a:avLst/>
@@ -14098,55 +14473,156 @@
           <a:lstStyle/>
           <a:p>
             <a:r>
-              <a:rPr lang="en-US" dirty="0" smtClean="0"/>
-              <a:t>Best 1-d shift</a:t>
-            </a:r>
-            <a:endParaRPr lang="en-US" dirty="0"/>
-          </a:p>
-        </p:txBody>
-      </p:sp>
-      <p:cxnSp>
-        <p:nvCxnSpPr>
-          <p:cNvPr id="16" name="Curved Connector 15"/>
-          <p:cNvCxnSpPr>
-            <a:stCxn id="10" idx="3"/>
-            <a:endCxn id="8" idx="0"/>
-          </p:cNvCxnSpPr>
-          <p:nvPr/>
-        </p:nvCxnSpPr>
-        <p:spPr>
-          <a:xfrm>
-            <a:off x="8579215" y="2213491"/>
-            <a:ext cx="1023814" cy="478212"/>
-          </a:xfrm>
-          <a:prstGeom prst="curvedConnector2">
-            <a:avLst/>
-          </a:prstGeom>
-          <a:ln>
-            <a:solidFill>
-              <a:srgbClr val="FF0000"/>
-            </a:solidFill>
-            <a:tailEnd type="triangle"/>
-          </a:ln>
-        </p:spPr>
-        <p:style>
-          <a:lnRef idx="1">
-            <a:schemeClr val="accent1"/>
-          </a:lnRef>
-          <a:fillRef idx="0">
-            <a:schemeClr val="accent1"/>
-          </a:fillRef>
-          <a:effectRef idx="0">
-            <a:schemeClr val="accent1"/>
-          </a:effectRef>
-          <a:fontRef idx="minor">
-            <a:schemeClr val="tx1"/>
-          </a:fontRef>
-        </p:style>
-      </p:cxnSp>
-      <p:sp>
-        <p:nvSpPr>
-          <p:cNvPr id="40" name="Rectangle 39"/>
+              <a:rPr lang="en-US" sz="3200" dirty="0" smtClean="0"/>
+              <a:t>Usage + location</a:t>
+            </a:r>
+            <a:endParaRPr lang="en-US" sz="2000" dirty="0" smtClean="0"/>
+          </a:p>
+          <a:p>
+            <a:endParaRPr lang="en-US" sz="1400" dirty="0"/>
+          </a:p>
+          <a:p>
+            <a:r>
+              <a:rPr lang="en-US" sz="1400" dirty="0" smtClean="0"/>
+              <a:t>(</a:t>
+            </a:r>
+            <a:r>
+              <a:rPr lang="en-US" sz="1400" dirty="0" err="1" smtClean="0"/>
+              <a:t>cycIF_reg</a:t>
+            </a:r>
+            <a:r>
+              <a:rPr lang="en-US" sz="1400" dirty="0" smtClean="0"/>
+              <a:t>) teddy@RWS01360:/</a:t>
+            </a:r>
+            <a:r>
+              <a:rPr lang="en-US" sz="1400" dirty="0" err="1" smtClean="0"/>
+              <a:t>mnt</a:t>
+            </a:r>
+            <a:r>
+              <a:rPr lang="en-US" sz="1400" dirty="0" smtClean="0"/>
+              <a:t>/c/Users/Public/</a:t>
+            </a:r>
+            <a:r>
+              <a:rPr lang="en-US" sz="1400" dirty="0" err="1" smtClean="0"/>
+              <a:t>cyclicIF_processing</a:t>
+            </a:r>
+            <a:r>
+              <a:rPr lang="en-US" sz="1400" dirty="0" smtClean="0"/>
+              <a:t>/</a:t>
+            </a:r>
+            <a:r>
+              <a:rPr lang="en-US" sz="1400" dirty="0" err="1" smtClean="0"/>
+              <a:t>cyclicIF_registration</a:t>
+            </a:r>
+            <a:r>
+              <a:rPr lang="en-US" sz="1400" dirty="0" smtClean="0"/>
+              <a:t>/workflow/scripts$ python slide_registration.py --help</a:t>
+            </a:r>
+          </a:p>
+          <a:p>
+            <a:r>
+              <a:rPr lang="en-US" sz="1400" dirty="0" smtClean="0"/>
+              <a:t>usage: slide_registration.py [-h] [--input in] [--output out] [--slide slide] [--scene scene]</a:t>
+            </a:r>
+          </a:p>
+          <a:p>
+            <a:endParaRPr lang="en-US" sz="1400" dirty="0" smtClean="0"/>
+          </a:p>
+          <a:p>
+            <a:r>
+              <a:rPr lang="en-US" sz="1400" dirty="0" err="1" smtClean="0"/>
+              <a:t>CyclicIF</a:t>
+            </a:r>
+            <a:r>
+              <a:rPr lang="en-US" sz="1400" dirty="0" smtClean="0"/>
+              <a:t> registration of a full slide</a:t>
+            </a:r>
+          </a:p>
+          <a:p>
+            <a:endParaRPr lang="en-US" sz="1400" dirty="0" smtClean="0"/>
+          </a:p>
+          <a:p>
+            <a:r>
+              <a:rPr lang="en-US" sz="1400" dirty="0" smtClean="0"/>
+              <a:t>optional arguments:</a:t>
+            </a:r>
+          </a:p>
+          <a:p>
+            <a:r>
+              <a:rPr lang="en-US" sz="1400" dirty="0" smtClean="0"/>
+              <a:t>  -h, --help     show this help message and exit</a:t>
+            </a:r>
+          </a:p>
+          <a:p>
+            <a:r>
+              <a:rPr lang="en-US" sz="1400" dirty="0" smtClean="0"/>
+              <a:t>  --input in     directory of input files (.</a:t>
+            </a:r>
+            <a:r>
+              <a:rPr lang="en-US" sz="1400" dirty="0" err="1" smtClean="0"/>
+              <a:t>tif</a:t>
+            </a:r>
+            <a:r>
+              <a:rPr lang="en-US" sz="1400" dirty="0" smtClean="0"/>
+              <a:t> slide scenes)</a:t>
+            </a:r>
+          </a:p>
+          <a:p>
+            <a:r>
+              <a:rPr lang="en-US" sz="1400" dirty="0" smtClean="0"/>
+              <a:t>  --output out   directory of output files (registered cores)</a:t>
+            </a:r>
+          </a:p>
+          <a:p>
+            <a:r>
+              <a:rPr lang="en-US" sz="1400" dirty="0" smtClean="0"/>
+              <a:t>  --slide </a:t>
+            </a:r>
+            <a:r>
+              <a:rPr lang="en-US" sz="1400" dirty="0" err="1" smtClean="0"/>
+              <a:t>slide</a:t>
+            </a:r>
+            <a:r>
+              <a:rPr lang="en-US" sz="1400" dirty="0" smtClean="0"/>
+              <a:t>  </a:t>
+            </a:r>
+            <a:r>
+              <a:rPr lang="en-US" sz="1400" dirty="0" err="1" smtClean="0"/>
+              <a:t>slide</a:t>
+            </a:r>
+            <a:r>
+              <a:rPr lang="en-US" sz="1400" dirty="0" smtClean="0"/>
+              <a:t> name (identifier)</a:t>
+            </a:r>
+          </a:p>
+          <a:p>
+            <a:r>
+              <a:rPr lang="en-US" sz="1400" dirty="0" smtClean="0"/>
+              <a:t>  --scene </a:t>
+            </a:r>
+            <a:r>
+              <a:rPr lang="en-US" sz="1400" dirty="0" err="1" smtClean="0"/>
+              <a:t>scene</a:t>
+            </a:r>
+            <a:r>
+              <a:rPr lang="en-US" sz="1400" dirty="0" smtClean="0"/>
+              <a:t>  </a:t>
+            </a:r>
+            <a:r>
+              <a:rPr lang="en-US" sz="1400" dirty="0" err="1" smtClean="0"/>
+              <a:t>scene</a:t>
+            </a:r>
+            <a:r>
+              <a:rPr lang="en-US" sz="1400" dirty="0" smtClean="0"/>
+              <a:t> name (identifier)</a:t>
+            </a:r>
+            <a:endParaRPr lang="en-US" sz="1400" dirty="0"/>
+          </a:p>
+        </p:txBody>
+      </p:sp>
+      <p:sp>
+        <p:nvSpPr>
+          <p:cNvPr id="16" name="Rectangle 15"/>
           <p:cNvSpPr/>
           <p:nvPr/>
         </p:nvSpPr>
@@ -14201,9 +14677,9 @@
       </p:sp>
       <p:cxnSp>
         <p:nvCxnSpPr>
-          <p:cNvPr id="41" name="Straight Arrow Connector 40"/>
+          <p:cNvPr id="17" name="Straight Arrow Connector 16"/>
           <p:cNvCxnSpPr>
-            <a:stCxn id="40" idx="3"/>
+            <a:stCxn id="16" idx="3"/>
           </p:cNvCxnSpPr>
           <p:nvPr/>
         </p:nvCxnSpPr>
@@ -14236,7 +14712,7 @@
       </p:cxnSp>
       <p:sp>
         <p:nvSpPr>
-          <p:cNvPr id="42" name="Rectangle 41"/>
+          <p:cNvPr id="18" name="Rectangle 17"/>
           <p:cNvSpPr/>
           <p:nvPr/>
         </p:nvSpPr>
@@ -14291,7 +14767,7 @@
       </p:sp>
       <p:sp>
         <p:nvSpPr>
-          <p:cNvPr id="43" name="Rectangle 42"/>
+          <p:cNvPr id="19" name="Rectangle 18"/>
           <p:cNvSpPr/>
           <p:nvPr/>
         </p:nvSpPr>
@@ -14335,9 +14811,9 @@
       </p:sp>
       <p:cxnSp>
         <p:nvCxnSpPr>
-          <p:cNvPr id="44" name="Straight Arrow Connector 43"/>
+          <p:cNvPr id="20" name="Straight Arrow Connector 19"/>
           <p:cNvCxnSpPr>
-            <a:stCxn id="42" idx="3"/>
+            <a:stCxn id="18" idx="3"/>
           </p:cNvCxnSpPr>
           <p:nvPr/>
         </p:nvCxnSpPr>
@@ -14370,7 +14846,7 @@
       </p:cxnSp>
       <p:sp>
         <p:nvSpPr>
-          <p:cNvPr id="45" name="Rectangle 44"/>
+          <p:cNvPr id="21" name="Rectangle 20"/>
           <p:cNvSpPr/>
           <p:nvPr/>
         </p:nvSpPr>
@@ -14414,10 +14890,10 @@
       </p:sp>
       <p:cxnSp>
         <p:nvCxnSpPr>
-          <p:cNvPr id="46" name="Straight Arrow Connector 45"/>
+          <p:cNvPr id="22" name="Straight Arrow Connector 21"/>
           <p:cNvCxnSpPr>
-            <a:stCxn id="43" idx="3"/>
-            <a:endCxn id="45" idx="1"/>
+            <a:stCxn id="19" idx="3"/>
+            <a:endCxn id="21" idx="1"/>
           </p:cNvCxnSpPr>
           <p:nvPr/>
         </p:nvCxnSpPr>
@@ -14450,7 +14926,7 @@
       </p:cxnSp>
       <p:sp>
         <p:nvSpPr>
-          <p:cNvPr id="47" name="Rectangle 46"/>
+          <p:cNvPr id="23" name="Rectangle 22"/>
           <p:cNvSpPr/>
           <p:nvPr/>
         </p:nvSpPr>
@@ -14494,10 +14970,10 @@
       </p:sp>
       <p:cxnSp>
         <p:nvCxnSpPr>
-          <p:cNvPr id="48" name="Straight Arrow Connector 47"/>
+          <p:cNvPr id="24" name="Straight Arrow Connector 23"/>
           <p:cNvCxnSpPr>
-            <a:stCxn id="45" idx="3"/>
-            <a:endCxn id="47" idx="1"/>
+            <a:stCxn id="21" idx="3"/>
+            <a:endCxn id="23" idx="1"/>
           </p:cNvCxnSpPr>
           <p:nvPr/>
         </p:nvCxnSpPr>
@@ -14530,7 +15006,7 @@
       </p:cxnSp>
       <p:sp>
         <p:nvSpPr>
-          <p:cNvPr id="49" name="Rectangle 48"/>
+          <p:cNvPr id="28" name="Rectangle 27"/>
           <p:cNvSpPr/>
           <p:nvPr/>
         </p:nvSpPr>
@@ -14574,7 +15050,7 @@
       </p:sp>
       <p:sp>
         <p:nvSpPr>
-          <p:cNvPr id="50" name="Rectangle 49"/>
+          <p:cNvPr id="30" name="Rectangle 29"/>
           <p:cNvSpPr/>
           <p:nvPr/>
         </p:nvSpPr>
@@ -14618,10 +15094,10 @@
       </p:sp>
       <p:cxnSp>
         <p:nvCxnSpPr>
-          <p:cNvPr id="51" name="Straight Arrow Connector 50"/>
+          <p:cNvPr id="32" name="Straight Arrow Connector 31"/>
           <p:cNvCxnSpPr>
-            <a:stCxn id="47" idx="3"/>
-            <a:endCxn id="49" idx="1"/>
+            <a:stCxn id="23" idx="3"/>
+            <a:endCxn id="28" idx="1"/>
           </p:cNvCxnSpPr>
           <p:nvPr/>
         </p:nvCxnSpPr>
@@ -14654,10 +15130,10 @@
       </p:cxnSp>
       <p:cxnSp>
         <p:nvCxnSpPr>
-          <p:cNvPr id="52" name="Straight Arrow Connector 51"/>
+          <p:cNvPr id="33" name="Straight Arrow Connector 32"/>
           <p:cNvCxnSpPr>
-            <a:stCxn id="49" idx="3"/>
-            <a:endCxn id="50" idx="1"/>
+            <a:stCxn id="28" idx="3"/>
+            <a:endCxn id="30" idx="1"/>
           </p:cNvCxnSpPr>
           <p:nvPr/>
         </p:nvCxnSpPr>
@@ -14691,7 +15167,7 @@
     </p:spTree>
     <p:extLst>
       <p:ext uri="{BB962C8B-B14F-4D97-AF65-F5344CB8AC3E}">
-        <p14:creationId xmlns:p14="http://schemas.microsoft.com/office/powerpoint/2010/main" val="515184914"/>
+        <p14:creationId xmlns:p14="http://schemas.microsoft.com/office/powerpoint/2010/main" val="2793673843"/>
       </p:ext>
     </p:extLst>
   </p:cSld>
@@ -14727,7 +15203,7 @@
         <p:spPr>
           <a:xfrm>
             <a:off x="476133" y="2414588"/>
-            <a:ext cx="6496167" cy="1261884"/>
+            <a:ext cx="6253281" cy="2169825"/>
           </a:xfrm>
           <a:prstGeom prst="rect">
             <a:avLst/>
@@ -14742,14 +15218,58 @@
           <a:p>
             <a:r>
               <a:rPr lang="en-US" sz="3200" dirty="0" smtClean="0"/>
-              <a:t>Results</a:t>
-            </a:r>
+              <a:t>Methods Overview</a:t>
+            </a:r>
+          </a:p>
+          <a:p>
+            <a:endParaRPr lang="en-US" sz="1100" dirty="0" smtClean="0"/>
           </a:p>
           <a:p>
             <a:r>
               <a:rPr lang="en-US" sz="1600" dirty="0" smtClean="0"/>
-              <a:t>(From Dhivya-6, D1)</a:t>
-            </a:r>
+              <a:t>Assume rigid registration and only </a:t>
+            </a:r>
+            <a:r>
+              <a:rPr lang="en-US" sz="1600" dirty="0" err="1" smtClean="0"/>
+              <a:t>x,y</a:t>
+            </a:r>
+            <a:r>
+              <a:rPr lang="en-US" sz="1600" dirty="0" smtClean="0"/>
+              <a:t> translation (no rotation)</a:t>
+            </a:r>
+          </a:p>
+          <a:p>
+            <a:r>
+              <a:rPr lang="en-US" sz="1600" dirty="0" smtClean="0"/>
+              <a:t>Use cross-correlation to find best </a:t>
+            </a:r>
+            <a:r>
+              <a:rPr lang="en-US" sz="1600" dirty="0" err="1" smtClean="0"/>
+              <a:t>x,y</a:t>
+            </a:r>
+            <a:r>
+              <a:rPr lang="en-US" sz="1600" dirty="0" smtClean="0"/>
+              <a:t> shifts – this allows for global best fit</a:t>
+            </a:r>
+          </a:p>
+          <a:p>
+            <a:r>
+              <a:rPr lang="en-US" sz="1600" dirty="0" smtClean="0"/>
+              <a:t>Note: gradient descent optimizers are liable to </a:t>
+            </a:r>
+            <a:r>
+              <a:rPr lang="en-US" sz="1600" dirty="0" err="1" smtClean="0"/>
+              <a:t>mis</a:t>
+            </a:r>
+            <a:r>
+              <a:rPr lang="en-US" sz="1600" dirty="0" smtClean="0"/>
+              <a:t>-align columns as local </a:t>
+            </a:r>
+            <a:r>
+              <a:rPr lang="en-US" sz="1600" dirty="0" err="1" smtClean="0"/>
+              <a:t>minimas</a:t>
+            </a:r>
+            <a:endParaRPr lang="en-US" sz="1600" dirty="0" smtClean="0"/>
           </a:p>
           <a:p>
             <a:endParaRPr lang="en-US" sz="1400" dirty="0"/>
@@ -14761,7 +15281,7 @@
       </p:sp>
       <p:pic>
         <p:nvPicPr>
-          <p:cNvPr id="13" name="Picture 12"/>
+          <p:cNvPr id="5" name="Picture 4"/>
           <p:cNvPicPr>
             <a:picLocks noChangeAspect="1"/>
           </p:cNvPicPr>
@@ -14775,8 +15295,8 @@
         </p:blipFill>
         <p:spPr>
           <a:xfrm>
-            <a:off x="3971928" y="4390847"/>
-            <a:ext cx="6686550" cy="2590800"/>
+            <a:off x="200027" y="4171550"/>
+            <a:ext cx="6962775" cy="2405462"/>
           </a:xfrm>
           <a:prstGeom prst="rect">
             <a:avLst/>
@@ -14785,7 +15305,7 @@
       </p:pic>
       <p:pic>
         <p:nvPicPr>
-          <p:cNvPr id="17" name="Picture 16"/>
+          <p:cNvPr id="8" name="Picture 7"/>
           <p:cNvPicPr>
             <a:picLocks noChangeAspect="1"/>
           </p:cNvPicPr>
@@ -14799,8 +15319,8 @@
         </p:blipFill>
         <p:spPr>
           <a:xfrm>
-            <a:off x="3876678" y="1790522"/>
-            <a:ext cx="6877050" cy="2600325"/>
+            <a:off x="7886700" y="2691703"/>
+            <a:ext cx="4086228" cy="2551581"/>
           </a:xfrm>
           <a:prstGeom prst="rect">
             <a:avLst/>
@@ -14809,7 +15329,76 @@
       </p:pic>
       <p:sp>
         <p:nvSpPr>
-          <p:cNvPr id="23" name="Rectangle 22"/>
+          <p:cNvPr id="10" name="TextBox 9"/>
+          <p:cNvSpPr txBox="1"/>
+          <p:nvPr/>
+        </p:nvSpPr>
+        <p:spPr>
+          <a:xfrm>
+            <a:off x="7162802" y="2028825"/>
+            <a:ext cx="1416413" cy="369332"/>
+          </a:xfrm>
+          <a:prstGeom prst="rect">
+            <a:avLst/>
+          </a:prstGeom>
+          <a:noFill/>
+        </p:spPr>
+        <p:txBody>
+          <a:bodyPr wrap="none" rtlCol="0">
+            <a:spAutoFit/>
+          </a:bodyPr>
+          <a:lstStyle/>
+          <a:p>
+            <a:r>
+              <a:rPr lang="en-US" dirty="0" smtClean="0"/>
+              <a:t>Best 1-d shift</a:t>
+            </a:r>
+            <a:endParaRPr lang="en-US" dirty="0"/>
+          </a:p>
+        </p:txBody>
+      </p:sp>
+      <p:cxnSp>
+        <p:nvCxnSpPr>
+          <p:cNvPr id="16" name="Curved Connector 15"/>
+          <p:cNvCxnSpPr>
+            <a:stCxn id="10" idx="3"/>
+            <a:endCxn id="8" idx="0"/>
+          </p:cNvCxnSpPr>
+          <p:nvPr/>
+        </p:nvCxnSpPr>
+        <p:spPr>
+          <a:xfrm>
+            <a:off x="8579215" y="2213491"/>
+            <a:ext cx="1350599" cy="478212"/>
+          </a:xfrm>
+          <a:prstGeom prst="curvedConnector2">
+            <a:avLst/>
+          </a:prstGeom>
+          <a:ln>
+            <a:solidFill>
+              <a:srgbClr val="FF0000"/>
+            </a:solidFill>
+            <a:tailEnd type="triangle"/>
+          </a:ln>
+        </p:spPr>
+        <p:style>
+          <a:lnRef idx="1">
+            <a:schemeClr val="accent1"/>
+          </a:lnRef>
+          <a:fillRef idx="0">
+            <a:schemeClr val="accent1"/>
+          </a:fillRef>
+          <a:effectRef idx="0">
+            <a:schemeClr val="accent1"/>
+          </a:effectRef>
+          <a:fontRef idx="minor">
+            <a:schemeClr val="tx1"/>
+          </a:fontRef>
+        </p:style>
+      </p:cxnSp>
+      <p:sp>
+        <p:nvSpPr>
+          <p:cNvPr id="40" name="Rectangle 39"/>
           <p:cNvSpPr/>
           <p:nvPr/>
         </p:nvSpPr>
@@ -14864,9 +15453,9 @@
       </p:sp>
       <p:cxnSp>
         <p:nvCxnSpPr>
-          <p:cNvPr id="24" name="Straight Arrow Connector 23"/>
+          <p:cNvPr id="41" name="Straight Arrow Connector 40"/>
           <p:cNvCxnSpPr>
-            <a:stCxn id="23" idx="3"/>
+            <a:stCxn id="40" idx="3"/>
           </p:cNvCxnSpPr>
           <p:nvPr/>
         </p:nvCxnSpPr>
@@ -14899,7 +15488,7 @@
       </p:cxnSp>
       <p:sp>
         <p:nvSpPr>
-          <p:cNvPr id="28" name="Rectangle 27"/>
+          <p:cNvPr id="42" name="Rectangle 41"/>
           <p:cNvSpPr/>
           <p:nvPr/>
         </p:nvSpPr>
@@ -14954,7 +15543,7 @@
       </p:sp>
       <p:sp>
         <p:nvSpPr>
-          <p:cNvPr id="30" name="Rectangle 29"/>
+          <p:cNvPr id="43" name="Rectangle 42"/>
           <p:cNvSpPr/>
           <p:nvPr/>
         </p:nvSpPr>
@@ -14998,9 +15587,9 @@
       </p:sp>
       <p:cxnSp>
         <p:nvCxnSpPr>
-          <p:cNvPr id="32" name="Straight Arrow Connector 31"/>
+          <p:cNvPr id="44" name="Straight Arrow Connector 43"/>
           <p:cNvCxnSpPr>
-            <a:stCxn id="28" idx="3"/>
+            <a:stCxn id="42" idx="3"/>
           </p:cNvCxnSpPr>
           <p:nvPr/>
         </p:nvCxnSpPr>
@@ -15033,7 +15622,7 @@
       </p:cxnSp>
       <p:sp>
         <p:nvSpPr>
-          <p:cNvPr id="33" name="Rectangle 32"/>
+          <p:cNvPr id="45" name="Rectangle 44"/>
           <p:cNvSpPr/>
           <p:nvPr/>
         </p:nvSpPr>
@@ -15077,10 +15666,10 @@
       </p:sp>
       <p:cxnSp>
         <p:nvCxnSpPr>
-          <p:cNvPr id="34" name="Straight Arrow Connector 33"/>
+          <p:cNvPr id="46" name="Straight Arrow Connector 45"/>
           <p:cNvCxnSpPr>
-            <a:stCxn id="30" idx="3"/>
-            <a:endCxn id="33" idx="1"/>
+            <a:stCxn id="43" idx="3"/>
+            <a:endCxn id="45" idx="1"/>
           </p:cNvCxnSpPr>
           <p:nvPr/>
         </p:nvCxnSpPr>
@@ -15113,7 +15702,7 @@
       </p:cxnSp>
       <p:sp>
         <p:nvSpPr>
-          <p:cNvPr id="35" name="Rectangle 34"/>
+          <p:cNvPr id="47" name="Rectangle 46"/>
           <p:cNvSpPr/>
           <p:nvPr/>
         </p:nvSpPr>
@@ -15157,10 +15746,10 @@
       </p:sp>
       <p:cxnSp>
         <p:nvCxnSpPr>
-          <p:cNvPr id="36" name="Straight Arrow Connector 35"/>
+          <p:cNvPr id="48" name="Straight Arrow Connector 47"/>
           <p:cNvCxnSpPr>
-            <a:stCxn id="33" idx="3"/>
-            <a:endCxn id="35" idx="1"/>
+            <a:stCxn id="45" idx="3"/>
+            <a:endCxn id="47" idx="1"/>
           </p:cNvCxnSpPr>
           <p:nvPr/>
         </p:nvCxnSpPr>
@@ -15193,7 +15782,7 @@
       </p:cxnSp>
       <p:sp>
         <p:nvSpPr>
-          <p:cNvPr id="37" name="Rectangle 36"/>
+          <p:cNvPr id="49" name="Rectangle 48"/>
           <p:cNvSpPr/>
           <p:nvPr/>
         </p:nvSpPr>
@@ -15237,7 +15826,7 @@
       </p:sp>
       <p:sp>
         <p:nvSpPr>
-          <p:cNvPr id="38" name="Rectangle 37"/>
+          <p:cNvPr id="50" name="Rectangle 49"/>
           <p:cNvSpPr/>
           <p:nvPr/>
         </p:nvSpPr>
@@ -15281,10 +15870,10 @@
       </p:sp>
       <p:cxnSp>
         <p:nvCxnSpPr>
-          <p:cNvPr id="39" name="Straight Arrow Connector 38"/>
+          <p:cNvPr id="51" name="Straight Arrow Connector 50"/>
           <p:cNvCxnSpPr>
-            <a:stCxn id="35" idx="3"/>
-            <a:endCxn id="37" idx="1"/>
+            <a:stCxn id="47" idx="3"/>
+            <a:endCxn id="49" idx="1"/>
           </p:cNvCxnSpPr>
           <p:nvPr/>
         </p:nvCxnSpPr>
@@ -15317,10 +15906,10 @@
       </p:cxnSp>
       <p:cxnSp>
         <p:nvCxnSpPr>
-          <p:cNvPr id="40" name="Straight Arrow Connector 39"/>
+          <p:cNvPr id="52" name="Straight Arrow Connector 51"/>
           <p:cNvCxnSpPr>
-            <a:stCxn id="37" idx="3"/>
-            <a:endCxn id="38" idx="1"/>
+            <a:stCxn id="49" idx="3"/>
+            <a:endCxn id="50" idx="1"/>
           </p:cNvCxnSpPr>
           <p:nvPr/>
         </p:nvCxnSpPr>
@@ -15354,7 +15943,7 @@
     </p:spTree>
     <p:extLst>
       <p:ext uri="{BB962C8B-B14F-4D97-AF65-F5344CB8AC3E}">
-        <p14:creationId xmlns:p14="http://schemas.microsoft.com/office/powerpoint/2010/main" val="2199520273"/>
+        <p14:creationId xmlns:p14="http://schemas.microsoft.com/office/powerpoint/2010/main" val="515184914"/>
       </p:ext>
     </p:extLst>
   </p:cSld>
@@ -15383,7 +15972,96 @@
       </p:grpSpPr>
       <p:sp>
         <p:nvSpPr>
-          <p:cNvPr id="16" name="Rectangle 15"/>
+          <p:cNvPr id="2" name="TextBox 1"/>
+          <p:cNvSpPr txBox="1"/>
+          <p:nvPr/>
+        </p:nvSpPr>
+        <p:spPr>
+          <a:xfrm>
+            <a:off x="476133" y="2414588"/>
+            <a:ext cx="6496167" cy="1261884"/>
+          </a:xfrm>
+          <a:prstGeom prst="rect">
+            <a:avLst/>
+          </a:prstGeom>
+          <a:noFill/>
+        </p:spPr>
+        <p:txBody>
+          <a:bodyPr wrap="square" rtlCol="0">
+            <a:spAutoFit/>
+          </a:bodyPr>
+          <a:lstStyle/>
+          <a:p>
+            <a:r>
+              <a:rPr lang="en-US" sz="3200" dirty="0" smtClean="0"/>
+              <a:t>Results</a:t>
+            </a:r>
+          </a:p>
+          <a:p>
+            <a:r>
+              <a:rPr lang="en-US" sz="1600" dirty="0" smtClean="0"/>
+              <a:t>(From Dhivya-6, D1)</a:t>
+            </a:r>
+          </a:p>
+          <a:p>
+            <a:endParaRPr lang="en-US" sz="1400" dirty="0"/>
+          </a:p>
+          <a:p>
+            <a:endParaRPr lang="en-US" sz="1400" dirty="0"/>
+          </a:p>
+        </p:txBody>
+      </p:sp>
+      <p:pic>
+        <p:nvPicPr>
+          <p:cNvPr id="13" name="Picture 12"/>
+          <p:cNvPicPr>
+            <a:picLocks noChangeAspect="1"/>
+          </p:cNvPicPr>
+          <p:nvPr/>
+        </p:nvPicPr>
+        <p:blipFill>
+          <a:blip r:embed="rId2"/>
+          <a:stretch>
+            <a:fillRect/>
+          </a:stretch>
+        </p:blipFill>
+        <p:spPr>
+          <a:xfrm>
+            <a:off x="3971928" y="4390847"/>
+            <a:ext cx="6686550" cy="2590800"/>
+          </a:xfrm>
+          <a:prstGeom prst="rect">
+            <a:avLst/>
+          </a:prstGeom>
+        </p:spPr>
+      </p:pic>
+      <p:pic>
+        <p:nvPicPr>
+          <p:cNvPr id="17" name="Picture 16"/>
+          <p:cNvPicPr>
+            <a:picLocks noChangeAspect="1"/>
+          </p:cNvPicPr>
+          <p:nvPr/>
+        </p:nvPicPr>
+        <p:blipFill>
+          <a:blip r:embed="rId3"/>
+          <a:stretch>
+            <a:fillRect/>
+          </a:stretch>
+        </p:blipFill>
+        <p:spPr>
+          <a:xfrm>
+            <a:off x="3876678" y="1790522"/>
+            <a:ext cx="6877050" cy="2600325"/>
+          </a:xfrm>
+          <a:prstGeom prst="rect">
+            <a:avLst/>
+          </a:prstGeom>
+        </p:spPr>
+      </p:pic>
+      <p:sp>
+        <p:nvSpPr>
+          <p:cNvPr id="23" name="Rectangle 22"/>
           <p:cNvSpPr/>
           <p:nvPr/>
         </p:nvSpPr>
@@ -15396,7 +16074,7 @@
             <a:avLst/>
           </a:prstGeom>
           <a:solidFill>
-            <a:schemeClr val="accent1"/>
+            <a:srgbClr val="FFC000"/>
           </a:solidFill>
         </p:spPr>
         <p:style>
@@ -15438,9 +16116,9 @@
       </p:sp>
       <p:cxnSp>
         <p:nvCxnSpPr>
-          <p:cNvPr id="17" name="Straight Arrow Connector 16"/>
+          <p:cNvPr id="24" name="Straight Arrow Connector 23"/>
           <p:cNvCxnSpPr>
-            <a:stCxn id="16" idx="3"/>
+            <a:stCxn id="23" idx="3"/>
           </p:cNvCxnSpPr>
           <p:nvPr/>
         </p:nvCxnSpPr>
@@ -15473,7 +16151,7 @@
       </p:cxnSp>
       <p:sp>
         <p:nvSpPr>
-          <p:cNvPr id="18" name="Rectangle 17"/>
+          <p:cNvPr id="28" name="Rectangle 27"/>
           <p:cNvSpPr/>
           <p:nvPr/>
         </p:nvSpPr>
@@ -15528,7 +16206,7 @@
       </p:sp>
       <p:sp>
         <p:nvSpPr>
-          <p:cNvPr id="19" name="Rectangle 18"/>
+          <p:cNvPr id="30" name="Rectangle 29"/>
           <p:cNvSpPr/>
           <p:nvPr/>
         </p:nvSpPr>
@@ -15540,9 +16218,6 @@
           <a:prstGeom prst="rect">
             <a:avLst/>
           </a:prstGeom>
-          <a:solidFill>
-            <a:srgbClr val="FFC000"/>
-          </a:solidFill>
         </p:spPr>
         <p:style>
           <a:lnRef idx="2">
@@ -15575,9 +16250,9 @@
       </p:sp>
       <p:cxnSp>
         <p:nvCxnSpPr>
-          <p:cNvPr id="20" name="Straight Arrow Connector 19"/>
+          <p:cNvPr id="32" name="Straight Arrow Connector 31"/>
           <p:cNvCxnSpPr>
-            <a:stCxn id="18" idx="3"/>
+            <a:stCxn id="28" idx="3"/>
           </p:cNvCxnSpPr>
           <p:nvPr/>
         </p:nvCxnSpPr>
@@ -15610,7 +16285,7 @@
       </p:cxnSp>
       <p:sp>
         <p:nvSpPr>
-          <p:cNvPr id="21" name="Rectangle 20"/>
+          <p:cNvPr id="33" name="Rectangle 32"/>
           <p:cNvSpPr/>
           <p:nvPr/>
         </p:nvSpPr>
@@ -15622,9 +16297,6 @@
           <a:prstGeom prst="rect">
             <a:avLst/>
           </a:prstGeom>
-          <a:solidFill>
-            <a:schemeClr val="accent1"/>
-          </a:solidFill>
         </p:spPr>
         <p:style>
           <a:lnRef idx="2">
@@ -15657,10 +16329,10 @@
       </p:sp>
       <p:cxnSp>
         <p:nvCxnSpPr>
-          <p:cNvPr id="22" name="Straight Arrow Connector 21"/>
+          <p:cNvPr id="34" name="Straight Arrow Connector 33"/>
           <p:cNvCxnSpPr>
-            <a:stCxn id="19" idx="3"/>
-            <a:endCxn id="21" idx="1"/>
+            <a:stCxn id="30" idx="3"/>
+            <a:endCxn id="33" idx="1"/>
           </p:cNvCxnSpPr>
           <p:nvPr/>
         </p:nvCxnSpPr>
@@ -15693,7 +16365,7 @@
       </p:cxnSp>
       <p:sp>
         <p:nvSpPr>
-          <p:cNvPr id="23" name="Rectangle 22"/>
+          <p:cNvPr id="35" name="Rectangle 34"/>
           <p:cNvSpPr/>
           <p:nvPr/>
         </p:nvSpPr>
@@ -15705,9 +16377,6 @@
           <a:prstGeom prst="rect">
             <a:avLst/>
           </a:prstGeom>
-          <a:solidFill>
-            <a:schemeClr val="accent1"/>
-          </a:solidFill>
         </p:spPr>
         <p:style>
           <a:lnRef idx="2">
@@ -15740,10 +16409,10 @@
       </p:sp>
       <p:cxnSp>
         <p:nvCxnSpPr>
-          <p:cNvPr id="24" name="Straight Arrow Connector 23"/>
+          <p:cNvPr id="36" name="Straight Arrow Connector 35"/>
           <p:cNvCxnSpPr>
-            <a:stCxn id="21" idx="3"/>
-            <a:endCxn id="23" idx="1"/>
+            <a:stCxn id="33" idx="3"/>
+            <a:endCxn id="35" idx="1"/>
           </p:cNvCxnSpPr>
           <p:nvPr/>
         </p:nvCxnSpPr>
@@ -15776,7 +16445,7 @@
       </p:cxnSp>
       <p:sp>
         <p:nvSpPr>
-          <p:cNvPr id="28" name="Rectangle 27"/>
+          <p:cNvPr id="37" name="Rectangle 36"/>
           <p:cNvSpPr/>
           <p:nvPr/>
         </p:nvSpPr>
@@ -15788,9 +16457,6 @@
           <a:prstGeom prst="rect">
             <a:avLst/>
           </a:prstGeom>
-          <a:solidFill>
-            <a:schemeClr val="accent1"/>
-          </a:solidFill>
         </p:spPr>
         <p:style>
           <a:lnRef idx="2">
@@ -15823,7 +16489,7 @@
       </p:sp>
       <p:sp>
         <p:nvSpPr>
-          <p:cNvPr id="30" name="Rectangle 29"/>
+          <p:cNvPr id="38" name="Rectangle 37"/>
           <p:cNvSpPr/>
           <p:nvPr/>
         </p:nvSpPr>
@@ -15835,9 +16501,6 @@
           <a:prstGeom prst="rect">
             <a:avLst/>
           </a:prstGeom>
-          <a:solidFill>
-            <a:schemeClr val="accent1"/>
-          </a:solidFill>
         </p:spPr>
         <p:style>
           <a:lnRef idx="2">
@@ -15870,10 +16533,10 @@
       </p:sp>
       <p:cxnSp>
         <p:nvCxnSpPr>
-          <p:cNvPr id="32" name="Straight Arrow Connector 31"/>
+          <p:cNvPr id="39" name="Straight Arrow Connector 38"/>
           <p:cNvCxnSpPr>
-            <a:stCxn id="23" idx="3"/>
-            <a:endCxn id="28" idx="1"/>
+            <a:stCxn id="35" idx="3"/>
+            <a:endCxn id="37" idx="1"/>
           </p:cNvCxnSpPr>
           <p:nvPr/>
         </p:nvCxnSpPr>
@@ -15906,10 +16569,10 @@
       </p:cxnSp>
       <p:cxnSp>
         <p:nvCxnSpPr>
-          <p:cNvPr id="33" name="Straight Arrow Connector 32"/>
+          <p:cNvPr id="40" name="Straight Arrow Connector 39"/>
           <p:cNvCxnSpPr>
-            <a:stCxn id="28" idx="3"/>
-            <a:endCxn id="30" idx="1"/>
+            <a:stCxn id="37" idx="3"/>
+            <a:endCxn id="38" idx="1"/>
           </p:cNvCxnSpPr>
           <p:nvPr/>
         </p:nvCxnSpPr>
@@ -15940,230 +16603,10 @@
           </a:fontRef>
         </p:style>
       </p:cxnSp>
-      <p:sp>
-        <p:nvSpPr>
-          <p:cNvPr id="2" name="Rectangle 1"/>
-          <p:cNvSpPr/>
-          <p:nvPr/>
-        </p:nvSpPr>
-        <p:spPr>
-          <a:xfrm>
-            <a:off x="590554" y="1979623"/>
-            <a:ext cx="11382374" cy="4739759"/>
-          </a:xfrm>
-          <a:prstGeom prst="rect">
-            <a:avLst/>
-          </a:prstGeom>
-        </p:spPr>
-        <p:txBody>
-          <a:bodyPr wrap="square">
-            <a:spAutoFit/>
-          </a:bodyPr>
-          <a:lstStyle/>
-          <a:p>
-            <a:r>
-              <a:rPr lang="en-US" sz="3200" dirty="0" smtClean="0"/>
-              <a:t>Usage + Location</a:t>
-            </a:r>
-          </a:p>
-          <a:p>
-            <a:endParaRPr lang="en-US" dirty="0"/>
-          </a:p>
-          <a:p>
-            <a:r>
-              <a:rPr lang="en-US" dirty="0" smtClean="0"/>
-              <a:t>(</a:t>
-            </a:r>
-            <a:r>
-              <a:rPr lang="en-US" dirty="0" err="1" smtClean="0"/>
-              <a:t>cycIF_reg</a:t>
-            </a:r>
-            <a:r>
-              <a:rPr lang="en-US" dirty="0" smtClean="0"/>
-              <a:t>) teddy@RWS01360:/</a:t>
-            </a:r>
-            <a:r>
-              <a:rPr lang="en-US" dirty="0" err="1" smtClean="0"/>
-              <a:t>mnt</a:t>
-            </a:r>
-            <a:r>
-              <a:rPr lang="en-US" dirty="0" smtClean="0"/>
-              <a:t>/c/Users/Public/</a:t>
-            </a:r>
-            <a:r>
-              <a:rPr lang="en-US" dirty="0" err="1" smtClean="0"/>
-              <a:t>cyclicIF_processing</a:t>
-            </a:r>
-            <a:r>
-              <a:rPr lang="en-US" dirty="0" smtClean="0"/>
-              <a:t>/</a:t>
-            </a:r>
-            <a:r>
-              <a:rPr lang="en-US" dirty="0" err="1" smtClean="0"/>
-              <a:t>cyclicIF_registration</a:t>
-            </a:r>
-            <a:r>
-              <a:rPr lang="en-US" dirty="0" smtClean="0"/>
-              <a:t>/workflow/scripts$ python segment_and_match_cores.py --help</a:t>
-            </a:r>
-          </a:p>
-          <a:p>
-            <a:r>
-              <a:rPr lang="en-US" dirty="0" smtClean="0"/>
-              <a:t>starting `segment_and_match_cores.py`...</a:t>
-            </a:r>
-          </a:p>
-          <a:p>
-            <a:r>
-              <a:rPr lang="en-US" dirty="0" smtClean="0"/>
-              <a:t>usage: segment_and_match_cores.py [-h] [--input in] [--output out] [--slide slide] [--scene scene] [--</a:t>
-            </a:r>
-            <a:r>
-              <a:rPr lang="en-US" dirty="0" err="1" smtClean="0"/>
-              <a:t>config</a:t>
-            </a:r>
-            <a:r>
-              <a:rPr lang="en-US" dirty="0" smtClean="0"/>
-              <a:t> </a:t>
-            </a:r>
-            <a:r>
-              <a:rPr lang="en-US" dirty="0" err="1" smtClean="0"/>
-              <a:t>config</a:t>
-            </a:r>
-            <a:r>
-              <a:rPr lang="en-US" dirty="0" smtClean="0"/>
-              <a:t>]</a:t>
-            </a:r>
-          </a:p>
-          <a:p>
-            <a:endParaRPr lang="en-US" dirty="0" smtClean="0"/>
-          </a:p>
-          <a:p>
-            <a:r>
-              <a:rPr lang="en-US" dirty="0" err="1" smtClean="0"/>
-              <a:t>CyclicIF</a:t>
-            </a:r>
-            <a:r>
-              <a:rPr lang="en-US" dirty="0" smtClean="0"/>
-              <a:t> registration pipeline. Segmentation of cores &amp; matching across rounds.</a:t>
-            </a:r>
-          </a:p>
-          <a:p>
-            <a:endParaRPr lang="en-US" dirty="0" smtClean="0"/>
-          </a:p>
-          <a:p>
-            <a:r>
-              <a:rPr lang="en-US" dirty="0" smtClean="0"/>
-              <a:t>optional arguments:</a:t>
-            </a:r>
-          </a:p>
-          <a:p>
-            <a:r>
-              <a:rPr lang="en-US" dirty="0" smtClean="0"/>
-              <a:t>  -h, --help       show this help message and exit</a:t>
-            </a:r>
-          </a:p>
-          <a:p>
-            <a:r>
-              <a:rPr lang="en-US" dirty="0" smtClean="0"/>
-              <a:t>  --input in       directory of input files (.</a:t>
-            </a:r>
-            <a:r>
-              <a:rPr lang="en-US" dirty="0" err="1" smtClean="0"/>
-              <a:t>tif</a:t>
-            </a:r>
-            <a:r>
-              <a:rPr lang="en-US" dirty="0" smtClean="0"/>
-              <a:t> slide scenes)</a:t>
-            </a:r>
-          </a:p>
-          <a:p>
-            <a:r>
-              <a:rPr lang="en-US" dirty="0" smtClean="0"/>
-              <a:t>  --output out     directory of output files (registered cores)</a:t>
-            </a:r>
-          </a:p>
-          <a:p>
-            <a:r>
-              <a:rPr lang="en-US" dirty="0" smtClean="0"/>
-              <a:t>  --slide </a:t>
-            </a:r>
-            <a:r>
-              <a:rPr lang="en-US" dirty="0" err="1" smtClean="0"/>
-              <a:t>slide</a:t>
-            </a:r>
-            <a:r>
-              <a:rPr lang="en-US" dirty="0" smtClean="0"/>
-              <a:t>    </a:t>
-            </a:r>
-            <a:r>
-              <a:rPr lang="en-US" dirty="0" err="1" smtClean="0"/>
-              <a:t>slide</a:t>
-            </a:r>
-            <a:r>
-              <a:rPr lang="en-US" dirty="0" smtClean="0"/>
-              <a:t> name (identifier)</a:t>
-            </a:r>
-          </a:p>
-          <a:p>
-            <a:r>
-              <a:rPr lang="en-US" dirty="0" smtClean="0"/>
-              <a:t>  --scene </a:t>
-            </a:r>
-            <a:r>
-              <a:rPr lang="en-US" dirty="0" err="1" smtClean="0"/>
-              <a:t>scene</a:t>
-            </a:r>
-            <a:r>
-              <a:rPr lang="en-US" dirty="0" smtClean="0"/>
-              <a:t>    </a:t>
-            </a:r>
-            <a:r>
-              <a:rPr lang="en-US" dirty="0" err="1" smtClean="0"/>
-              <a:t>scene</a:t>
-            </a:r>
-            <a:r>
-              <a:rPr lang="en-US" dirty="0" smtClean="0"/>
-              <a:t> name (identifier)</a:t>
-            </a:r>
-          </a:p>
-          <a:p>
-            <a:r>
-              <a:rPr lang="en-US" dirty="0" smtClean="0"/>
-              <a:t>  --</a:t>
-            </a:r>
-            <a:r>
-              <a:rPr lang="en-US" dirty="0" err="1" smtClean="0"/>
-              <a:t>config</a:t>
-            </a:r>
-            <a:r>
-              <a:rPr lang="en-US" dirty="0" smtClean="0"/>
-              <a:t> </a:t>
-            </a:r>
-            <a:r>
-              <a:rPr lang="en-US" dirty="0" err="1" smtClean="0"/>
-              <a:t>config</a:t>
-            </a:r>
-            <a:r>
-              <a:rPr lang="en-US" dirty="0" smtClean="0"/>
-              <a:t>  path to </a:t>
-            </a:r>
-            <a:r>
-              <a:rPr lang="en-US" dirty="0" err="1" smtClean="0"/>
-              <a:t>config</a:t>
-            </a:r>
-            <a:r>
-              <a:rPr lang="en-US" dirty="0" smtClean="0"/>
-              <a:t> file</a:t>
-            </a:r>
-            <a:endParaRPr lang="en-US" dirty="0"/>
-          </a:p>
-        </p:txBody>
-      </p:sp>
     </p:spTree>
     <p:extLst>
       <p:ext uri="{BB962C8B-B14F-4D97-AF65-F5344CB8AC3E}">
-        <p14:creationId xmlns:p14="http://schemas.microsoft.com/office/powerpoint/2010/main" val="2095312830"/>
+        <p14:creationId xmlns:p14="http://schemas.microsoft.com/office/powerpoint/2010/main" val="2199520273"/>
       </p:ext>
     </p:extLst>
   </p:cSld>
@@ -16758,7 +17201,7 @@
         <p:spPr>
           <a:xfrm>
             <a:off x="590554" y="1979623"/>
-            <a:ext cx="5553071" cy="3354765"/>
+            <a:ext cx="11382374" cy="4739759"/>
           </a:xfrm>
           <a:prstGeom prst="rect">
             <a:avLst/>
@@ -16772,149 +17215,207 @@
           <a:p>
             <a:r>
               <a:rPr lang="en-US" sz="3200" dirty="0" smtClean="0"/>
-              <a:t>Method Overview</a:t>
+              <a:t>Usage + Location</a:t>
+            </a:r>
+          </a:p>
+          <a:p>
+            <a:endParaRPr lang="en-US" dirty="0"/>
+          </a:p>
+          <a:p>
+            <a:r>
+              <a:rPr lang="en-US" dirty="0" smtClean="0"/>
+              <a:t>(</a:t>
+            </a:r>
+            <a:r>
+              <a:rPr lang="en-US" dirty="0" err="1" smtClean="0"/>
+              <a:t>cycIF_reg</a:t>
+            </a:r>
+            <a:r>
+              <a:rPr lang="en-US" dirty="0" smtClean="0"/>
+              <a:t>) teddy@RWS01360:/</a:t>
+            </a:r>
+            <a:r>
+              <a:rPr lang="en-US" dirty="0" err="1" smtClean="0"/>
+              <a:t>mnt</a:t>
+            </a:r>
+            <a:r>
+              <a:rPr lang="en-US" dirty="0" smtClean="0"/>
+              <a:t>/c/Users/Public/</a:t>
+            </a:r>
+            <a:r>
+              <a:rPr lang="en-US" dirty="0" err="1" smtClean="0"/>
+              <a:t>cyclicIF_processing</a:t>
+            </a:r>
+            <a:r>
+              <a:rPr lang="en-US" dirty="0" smtClean="0"/>
+              <a:t>/</a:t>
+            </a:r>
+            <a:r>
+              <a:rPr lang="en-US" dirty="0" err="1" smtClean="0"/>
+              <a:t>cyclicIF_registration</a:t>
+            </a:r>
+            <a:r>
+              <a:rPr lang="en-US" dirty="0" smtClean="0"/>
+              <a:t>/workflow/scripts$ python segment_and_match_cores.py --help</a:t>
+            </a:r>
+          </a:p>
+          <a:p>
+            <a:r>
+              <a:rPr lang="en-US" dirty="0" smtClean="0"/>
+              <a:t>starting `segment_and_match_cores.py`...</a:t>
+            </a:r>
+          </a:p>
+          <a:p>
+            <a:r>
+              <a:rPr lang="en-US" dirty="0" smtClean="0"/>
+              <a:t>usage: segment_and_match_cores.py [-h] [--input in] [--output out] [--slide slide] [--scene scene] [--</a:t>
+            </a:r>
+            <a:r>
+              <a:rPr lang="en-US" dirty="0" err="1" smtClean="0"/>
+              <a:t>config</a:t>
+            </a:r>
+            <a:r>
+              <a:rPr lang="en-US" dirty="0" smtClean="0"/>
+              <a:t> </a:t>
+            </a:r>
+            <a:r>
+              <a:rPr lang="en-US" dirty="0" err="1" smtClean="0"/>
+              <a:t>config</a:t>
+            </a:r>
+            <a:r>
+              <a:rPr lang="en-US" dirty="0" smtClean="0"/>
+              <a:t>]</a:t>
             </a:r>
           </a:p>
           <a:p>
             <a:endParaRPr lang="en-US" dirty="0" smtClean="0"/>
           </a:p>
           <a:p>
-            <a:pPr marL="342900" indent="-342900">
-              <a:buAutoNum type="arabicPeriod"/>
-            </a:pPr>
-            <a:r>
-              <a:rPr lang="en-US" dirty="0" smtClean="0"/>
-              <a:t>Segment each core and assign a core id</a:t>
-            </a:r>
-          </a:p>
-          <a:p>
-            <a:pPr marL="342900" indent="-342900">
-              <a:buAutoNum type="arabicPeriod"/>
-            </a:pPr>
-            <a:r>
-              <a:rPr lang="en-US" dirty="0" smtClean="0"/>
-              <a:t>Match core id’s across rounds using density based clustering and </a:t>
-            </a:r>
             <a:r>
               <a:rPr lang="en-US" dirty="0" err="1" smtClean="0"/>
-              <a:t>x,y</a:t>
-            </a:r>
-            <a:r>
-              <a:rPr lang="en-US" dirty="0" smtClean="0"/>
-              <a:t> pixel location as features</a:t>
-            </a:r>
-          </a:p>
-          <a:p>
-            <a:pPr marL="342900" indent="-342900">
-              <a:buAutoNum type="arabicPeriod"/>
-            </a:pPr>
-            <a:r>
-              <a:rPr lang="en-US" dirty="0" smtClean="0"/>
-              <a:t>TODO: QC; remove any cores that have fewer than XX cores assigned.</a:t>
-            </a:r>
-          </a:p>
-          <a:p>
-            <a:pPr marL="342900" indent="-342900">
-              <a:buAutoNum type="arabicPeriod"/>
-            </a:pPr>
-            <a:r>
-              <a:rPr lang="en-US" dirty="0" smtClean="0"/>
-              <a:t>Get shape statistics and location of each core</a:t>
-            </a:r>
-          </a:p>
-          <a:p>
-            <a:pPr marL="342900" indent="-342900">
-              <a:buAutoNum type="arabicPeriod"/>
-            </a:pPr>
-            <a:r>
-              <a:rPr lang="en-US" dirty="0" smtClean="0"/>
-              <a:t>Isolate each core (in each round) and save to separate file </a:t>
-            </a:r>
-          </a:p>
-          <a:p>
-            <a:pPr marL="342900" indent="-342900">
-              <a:buAutoNum type="arabicPeriod"/>
-            </a:pPr>
+              <a:t>CyclicIF</a:t>
+            </a:r>
+            <a:r>
+              <a:rPr lang="en-US" dirty="0" smtClean="0"/>
+              <a:t> registration pipeline. Segmentation of cores &amp; matching across rounds.</a:t>
+            </a:r>
+          </a:p>
+          <a:p>
+            <a:endParaRPr lang="en-US" dirty="0" smtClean="0"/>
+          </a:p>
+          <a:p>
+            <a:r>
+              <a:rPr lang="en-US" dirty="0" smtClean="0"/>
+              <a:t>optional arguments:</a:t>
+            </a:r>
+          </a:p>
+          <a:p>
+            <a:r>
+              <a:rPr lang="en-US" dirty="0" smtClean="0"/>
+              <a:t>  -h, --help       show this help message and exit</a:t>
+            </a:r>
+          </a:p>
+          <a:p>
+            <a:r>
+              <a:rPr lang="en-US" dirty="0" smtClean="0"/>
+              <a:t>  --input in       directory of input files (.</a:t>
+            </a:r>
+            <a:r>
+              <a:rPr lang="en-US" dirty="0" err="1" smtClean="0"/>
+              <a:t>tif</a:t>
+            </a:r>
+            <a:r>
+              <a:rPr lang="en-US" dirty="0" smtClean="0"/>
+              <a:t> slide scenes)</a:t>
+            </a:r>
+          </a:p>
+          <a:p>
+            <a:r>
+              <a:rPr lang="en-US" dirty="0" smtClean="0"/>
+              <a:t>  --output out     directory of output files (registered cores)</a:t>
+            </a:r>
+          </a:p>
+          <a:p>
+            <a:r>
+              <a:rPr lang="en-US" dirty="0" smtClean="0"/>
+              <a:t>  --slide </a:t>
+            </a:r>
+            <a:r>
+              <a:rPr lang="en-US" dirty="0" err="1" smtClean="0"/>
+              <a:t>slide</a:t>
+            </a:r>
+            <a:r>
+              <a:rPr lang="en-US" dirty="0" smtClean="0"/>
+              <a:t>    </a:t>
+            </a:r>
+            <a:r>
+              <a:rPr lang="en-US" dirty="0" err="1" smtClean="0"/>
+              <a:t>slide</a:t>
+            </a:r>
+            <a:r>
+              <a:rPr lang="en-US" dirty="0" smtClean="0"/>
+              <a:t> name (identifier)</a:t>
+            </a:r>
+          </a:p>
+          <a:p>
+            <a:r>
+              <a:rPr lang="en-US" dirty="0" smtClean="0"/>
+              <a:t>  --scene </a:t>
+            </a:r>
+            <a:r>
+              <a:rPr lang="en-US" dirty="0" err="1" smtClean="0"/>
+              <a:t>scene</a:t>
+            </a:r>
+            <a:r>
+              <a:rPr lang="en-US" dirty="0" smtClean="0"/>
+              <a:t>    </a:t>
+            </a:r>
+            <a:r>
+              <a:rPr lang="en-US" dirty="0" err="1" smtClean="0"/>
+              <a:t>scene</a:t>
+            </a:r>
+            <a:r>
+              <a:rPr lang="en-US" dirty="0" smtClean="0"/>
+              <a:t> name (identifier)</a:t>
+            </a:r>
+          </a:p>
+          <a:p>
+            <a:r>
+              <a:rPr lang="en-US" dirty="0" smtClean="0"/>
+              <a:t>  --</a:t>
+            </a:r>
+            <a:r>
+              <a:rPr lang="en-US" dirty="0" err="1" smtClean="0"/>
+              <a:t>config</a:t>
+            </a:r>
+            <a:r>
+              <a:rPr lang="en-US" dirty="0" smtClean="0"/>
+              <a:t> </a:t>
+            </a:r>
+            <a:r>
+              <a:rPr lang="en-US" dirty="0" err="1" smtClean="0"/>
+              <a:t>config</a:t>
+            </a:r>
+            <a:r>
+              <a:rPr lang="en-US" dirty="0" smtClean="0"/>
+              <a:t>  path to </a:t>
+            </a:r>
+            <a:r>
+              <a:rPr lang="en-US" dirty="0" err="1" smtClean="0"/>
+              <a:t>config</a:t>
+            </a:r>
+            <a:r>
+              <a:rPr lang="en-US" dirty="0" smtClean="0"/>
+              <a:t> file</a:t>
+            </a:r>
             <a:endParaRPr lang="en-US" dirty="0"/>
           </a:p>
         </p:txBody>
       </p:sp>
-      <p:pic>
-        <p:nvPicPr>
-          <p:cNvPr id="4" name="Picture 3"/>
-          <p:cNvPicPr>
-            <a:picLocks noChangeAspect="1"/>
-          </p:cNvPicPr>
-          <p:nvPr/>
-        </p:nvPicPr>
-        <p:blipFill>
-          <a:blip r:embed="rId2"/>
-          <a:stretch>
-            <a:fillRect/>
-          </a:stretch>
-        </p:blipFill>
-        <p:spPr>
-          <a:xfrm>
-            <a:off x="7511574" y="1438275"/>
-            <a:ext cx="4114800" cy="2905125"/>
-          </a:xfrm>
-          <a:prstGeom prst="rect">
-            <a:avLst/>
-          </a:prstGeom>
-        </p:spPr>
-      </p:pic>
-      <p:pic>
-        <p:nvPicPr>
-          <p:cNvPr id="5" name="Picture 4"/>
-          <p:cNvPicPr>
-            <a:picLocks noChangeAspect="1"/>
-          </p:cNvPicPr>
-          <p:nvPr/>
-        </p:nvPicPr>
-        <p:blipFill>
-          <a:blip r:embed="rId3"/>
-          <a:stretch>
-            <a:fillRect/>
-          </a:stretch>
-        </p:blipFill>
-        <p:spPr>
-          <a:xfrm>
-            <a:off x="7820027" y="4343400"/>
-            <a:ext cx="3806347" cy="2514600"/>
-          </a:xfrm>
-          <a:prstGeom prst="rect">
-            <a:avLst/>
-          </a:prstGeom>
-        </p:spPr>
-      </p:pic>
-      <p:pic>
-        <p:nvPicPr>
-          <p:cNvPr id="6" name="Picture 5"/>
-          <p:cNvPicPr>
-            <a:picLocks noChangeAspect="1"/>
-          </p:cNvPicPr>
-          <p:nvPr/>
-        </p:nvPicPr>
-        <p:blipFill>
-          <a:blip r:embed="rId4"/>
-          <a:stretch>
-            <a:fillRect/>
-          </a:stretch>
-        </p:blipFill>
-        <p:spPr>
-          <a:xfrm>
-            <a:off x="9793156" y="2164141"/>
-            <a:ext cx="3666436" cy="3270259"/>
-          </a:xfrm>
-          <a:prstGeom prst="rect">
-            <a:avLst/>
-          </a:prstGeom>
-        </p:spPr>
-      </p:pic>
     </p:spTree>
     <p:extLst>
       <p:ext uri="{BB962C8B-B14F-4D97-AF65-F5344CB8AC3E}">
-        <p14:creationId xmlns:p14="http://schemas.microsoft.com/office/powerpoint/2010/main" val="4105086094"/>
+        <p14:creationId xmlns:p14="http://schemas.microsoft.com/office/powerpoint/2010/main" val="2095312830"/>
       </p:ext>
     </p:extLst>
   </p:cSld>
